--- a/DSC640_NAVEEN_BAGAM_Week5&6_Presentation.pptx
+++ b/DSC640_NAVEEN_BAGAM_Week5&6_Presentation.pptx
@@ -5,7 +5,7 @@
     <p:sldMasterId id="2147483660" r:id="rId4"/>
   </p:sldMasterIdLst>
   <p:notesMasterIdLst>
-    <p:notesMasterId r:id="rId27"/>
+    <p:notesMasterId r:id="rId26"/>
   </p:notesMasterIdLst>
   <p:sldIdLst>
     <p:sldId id="256" r:id="rId5"/>
@@ -26,10 +26,9 @@
     <p:sldId id="277" r:id="rId20"/>
     <p:sldId id="278" r:id="rId21"/>
     <p:sldId id="272" r:id="rId22"/>
-    <p:sldId id="280" r:id="rId23"/>
-    <p:sldId id="281" r:id="rId24"/>
-    <p:sldId id="263" r:id="rId25"/>
-    <p:sldId id="279" r:id="rId26"/>
+    <p:sldId id="281" r:id="rId23"/>
+    <p:sldId id="263" r:id="rId24"/>
+    <p:sldId id="279" r:id="rId25"/>
   </p:sldIdLst>
   <p:sldSz cx="12192000" cy="6858000"/>
   <p:notesSz cx="6858000" cy="9144000"/>
@@ -9959,10 +9958,10 @@
       </p:pic>
       <p:pic>
         <p:nvPicPr>
-          <p:cNvPr id="3" name="Picture 2">
+          <p:cNvPr id="8" name="Picture 7">
             <a:extLst>
               <a:ext uri="{FF2B5EF4-FFF2-40B4-BE49-F238E27FC236}">
-                <a16:creationId xmlns:a16="http://schemas.microsoft.com/office/drawing/2014/main" id="{71B81D6A-10D6-7EC4-FF4D-837C6B954B01}"/>
+                <a16:creationId xmlns:a16="http://schemas.microsoft.com/office/drawing/2014/main" id="{C9905583-93BD-BF2A-AB82-06E02FB3CD7B}"/>
               </a:ext>
             </a:extLst>
           </p:cNvPr>
@@ -9979,8 +9978,8 @@
         </p:blipFill>
         <p:spPr>
           <a:xfrm>
-            <a:off x="1573738" y="1714351"/>
-            <a:ext cx="7465886" cy="4199561"/>
+            <a:off x="1315925" y="1246376"/>
+            <a:ext cx="6945480" cy="2838596"/>
           </a:xfrm>
           <a:prstGeom prst="rect">
             <a:avLst/>
@@ -10578,26 +10577,24 @@
           <a:lstStyle/>
           <a:p>
             <a:r>
-              <a:rPr lang="en-US" sz="2800" b="0" i="0" dirty="0">
-                <a:solidFill>
-                  <a:srgbClr val="000000"/>
+              <a:rPr lang="en-US" sz="2800" b="1" kern="0" dirty="0">
+                <a:solidFill>
+                  <a:schemeClr val="tx1"/>
                 </a:solidFill>
                 <a:effectLst/>
                 <a:latin typeface="Times New Roman" panose="02020603050405020304" pitchFamily="18" charset="0"/>
+                <a:ea typeface="Times New Roman" panose="02020603050405020304" pitchFamily="18" charset="0"/>
                 <a:cs typeface="Times New Roman" panose="02020603050405020304" pitchFamily="18" charset="0"/>
               </a:rPr>
-              <a:t>Ethical Considerations: </a:t>
+              <a:t>Conclusion:</a:t>
             </a:r>
-            <a:br>
-              <a:rPr lang="en-US" b="0" i="0" dirty="0">
-                <a:solidFill>
-                  <a:srgbClr val="000000"/>
-                </a:solidFill>
-                <a:effectLst/>
-                <a:latin typeface="Calibri" panose="020F0502020204030204" pitchFamily="34" charset="0"/>
-              </a:rPr>
-            </a:br>
-            <a:endParaRPr lang="en-US" dirty="0"/>
+            <a:endParaRPr lang="en-US" b="1" dirty="0">
+              <a:solidFill>
+                <a:schemeClr val="tx1"/>
+              </a:solidFill>
+              <a:latin typeface="Times New Roman" panose="02020603050405020304" pitchFamily="18" charset="0"/>
+              <a:cs typeface="Times New Roman" panose="02020603050405020304" pitchFamily="18" charset="0"/>
+            </a:endParaRPr>
           </a:p>
         </p:txBody>
       </p:sp>
@@ -10627,55 +10624,159 @@
           <a:bodyPr/>
           <a:lstStyle/>
           <a:p>
-            <a:pPr algn="l" rtl="0" fontAlgn="base">
-              <a:buFont typeface="Arial" panose="020B0604020202020204" pitchFamily="34" charset="0"/>
-              <a:buChar char="•"/>
+            <a:pPr marL="0" marR="0" indent="0">
+              <a:lnSpc>
+                <a:spcPct val="107000"/>
+              </a:lnSpc>
+              <a:spcBef>
+                <a:spcPts val="1500"/>
+              </a:spcBef>
+              <a:spcAft>
+                <a:spcPts val="1500"/>
+              </a:spcAft>
+              <a:buNone/>
             </a:pPr>
             <a:r>
-              <a:rPr lang="en-US" sz="2400" b="0" i="0" dirty="0">
-                <a:solidFill>
-                  <a:srgbClr val="000000"/>
+              <a:rPr lang="en-US" sz="1800" kern="0" dirty="0">
+                <a:solidFill>
+                  <a:srgbClr val="D1D5DB"/>
                 </a:solidFill>
                 <a:effectLst/>
+                <a:latin typeface="Segoe UI" panose="020B0502040204020203" pitchFamily="34" charset="0"/>
+                <a:ea typeface="Times New Roman" panose="02020603050405020304" pitchFamily="18" charset="0"/>
+                <a:cs typeface="Times New Roman" panose="02020603050405020304" pitchFamily="18" charset="0"/>
+              </a:rPr>
+              <a:t>:</a:t>
+            </a:r>
+            <a:endParaRPr lang="en-US" sz="1800" kern="100" dirty="0">
+              <a:effectLst/>
+              <a:latin typeface="Calibri" panose="020F0502020204030204" pitchFamily="34" charset="0"/>
+              <a:ea typeface="Calibri" panose="020F0502020204030204" pitchFamily="34" charset="0"/>
+              <a:cs typeface="Times New Roman" panose="02020603050405020304" pitchFamily="18" charset="0"/>
+            </a:endParaRPr>
+          </a:p>
+          <a:p>
+            <a:pPr marL="342900" marR="0" lvl="0" indent="-342900">
+              <a:lnSpc>
+                <a:spcPct val="107000"/>
+              </a:lnSpc>
+              <a:spcBef>
+                <a:spcPts val="0"/>
+              </a:spcBef>
+              <a:spcAft>
+                <a:spcPts val="0"/>
+              </a:spcAft>
+              <a:buSzPts val="1000"/>
+              <a:buFont typeface="Symbol" panose="05050102010706020507" pitchFamily="18" charset="2"/>
+              <a:buChar char=""/>
+              <a:tabLst>
+                <a:tab pos="457200" algn="l"/>
+              </a:tabLst>
+            </a:pPr>
+            <a:r>
+              <a:rPr lang="en-US" sz="2400" kern="0" dirty="0">
+                <a:solidFill>
+                  <a:schemeClr val="tx1"/>
+                </a:solidFill>
+                <a:effectLst/>
+                <a:latin typeface="Times New Roman" panose="02020603050405020304" pitchFamily="18" charset="0"/>
+                <a:ea typeface="Times New Roman" panose="02020603050405020304" pitchFamily="18" charset="0"/>
+                <a:cs typeface="Times New Roman" panose="02020603050405020304" pitchFamily="18" charset="0"/>
+              </a:rPr>
+              <a:t>Airline safety has improved over time</a:t>
+            </a:r>
+            <a:endParaRPr lang="en-US" sz="2400" kern="100" dirty="0">
+              <a:solidFill>
+                <a:schemeClr val="tx1"/>
+              </a:solidFill>
+              <a:effectLst/>
+              <a:latin typeface="Times New Roman" panose="02020603050405020304" pitchFamily="18" charset="0"/>
+              <a:ea typeface="Calibri" panose="020F0502020204030204" pitchFamily="34" charset="0"/>
+              <a:cs typeface="Times New Roman" panose="02020603050405020304" pitchFamily="18" charset="0"/>
+            </a:endParaRPr>
+          </a:p>
+          <a:p>
+            <a:pPr marL="342900" marR="0" lvl="0" indent="-342900">
+              <a:lnSpc>
+                <a:spcPct val="107000"/>
+              </a:lnSpc>
+              <a:spcBef>
+                <a:spcPts val="0"/>
+              </a:spcBef>
+              <a:spcAft>
+                <a:spcPts val="0"/>
+              </a:spcAft>
+              <a:buSzPts val="1000"/>
+              <a:buFont typeface="Symbol" panose="05050102010706020507" pitchFamily="18" charset="2"/>
+              <a:buChar char=""/>
+              <a:tabLst>
+                <a:tab pos="457200" algn="l"/>
+              </a:tabLst>
+            </a:pPr>
+            <a:r>
+              <a:rPr lang="en-US" sz="2400" kern="0" dirty="0">
+                <a:solidFill>
+                  <a:schemeClr val="tx1"/>
+                </a:solidFill>
+                <a:effectLst/>
+                <a:latin typeface="Times New Roman" panose="02020603050405020304" pitchFamily="18" charset="0"/>
+                <a:ea typeface="Times New Roman" panose="02020603050405020304" pitchFamily="18" charset="0"/>
+                <a:cs typeface="Times New Roman" panose="02020603050405020304" pitchFamily="18" charset="0"/>
+              </a:rPr>
+              <a:t>Media claims not entirely supported by data</a:t>
+            </a:r>
+          </a:p>
+          <a:p>
+            <a:pPr>
+              <a:lnSpc>
+                <a:spcPct val="107000"/>
+              </a:lnSpc>
+              <a:spcBef>
+                <a:spcPts val="0"/>
+              </a:spcBef>
+              <a:buSzPts val="1000"/>
+              <a:buFont typeface="Symbol" panose="05050102010706020507" pitchFamily="18" charset="2"/>
+              <a:buChar char=""/>
+              <a:tabLst>
+                <a:tab pos="457200" algn="l"/>
+              </a:tabLst>
+            </a:pPr>
+            <a:r>
+              <a:rPr lang="en-US" sz="2400" kern="0" dirty="0">
+                <a:solidFill>
+                  <a:schemeClr val="tx1"/>
+                </a:solidFill>
                 <a:latin typeface="Times New Roman" panose="02020603050405020304" pitchFamily="18" charset="0"/>
                 <a:cs typeface="Times New Roman" panose="02020603050405020304" pitchFamily="18" charset="0"/>
               </a:rPr>
-              <a:t>Privacy and sensitivity of data respected, used solely for research purposes. </a:t>
+              <a:t>Airlines continue to prioritize passenger safety</a:t>
             </a:r>
           </a:p>
           <a:p>
-            <a:pPr algn="l" rtl="0" fontAlgn="base">
-              <a:buFont typeface="Arial" panose="020B0604020202020204" pitchFamily="34" charset="0"/>
-              <a:buChar char="•"/>
+            <a:pPr marL="342900" marR="0" lvl="0" indent="-342900">
+              <a:lnSpc>
+                <a:spcPct val="107000"/>
+              </a:lnSpc>
+              <a:spcBef>
+                <a:spcPts val="0"/>
+              </a:spcBef>
+              <a:spcAft>
+                <a:spcPts val="0"/>
+              </a:spcAft>
+              <a:buSzPts val="1000"/>
+              <a:buFont typeface="Symbol" panose="05050102010706020507" pitchFamily="18" charset="2"/>
+              <a:buChar char=""/>
+              <a:tabLst>
+                <a:tab pos="457200" algn="l"/>
+              </a:tabLst>
             </a:pPr>
-            <a:r>
-              <a:rPr lang="en-US" sz="2400" b="0" i="0" dirty="0">
-                <a:solidFill>
-                  <a:srgbClr val="000000"/>
-                </a:solidFill>
-                <a:effectLst/>
-                <a:latin typeface="Times New Roman" panose="02020603050405020304" pitchFamily="18" charset="0"/>
-                <a:cs typeface="Times New Roman" panose="02020603050405020304" pitchFamily="18" charset="0"/>
-              </a:rPr>
-              <a:t>Transparency and accuracy in reporting the findings to promote trustworthiness. </a:t>
-            </a:r>
-          </a:p>
-          <a:p>
-            <a:pPr algn="l" rtl="0" fontAlgn="base">
-              <a:buFont typeface="Arial" panose="020B0604020202020204" pitchFamily="34" charset="0"/>
-              <a:buChar char="•"/>
-            </a:pPr>
-            <a:r>
-              <a:rPr lang="en-US" sz="2400" b="0" i="0" dirty="0">
-                <a:solidFill>
-                  <a:srgbClr val="000000"/>
-                </a:solidFill>
-                <a:effectLst/>
-                <a:latin typeface="Times New Roman" panose="02020603050405020304" pitchFamily="18" charset="0"/>
-                <a:cs typeface="Times New Roman" panose="02020603050405020304" pitchFamily="18" charset="0"/>
-              </a:rPr>
-              <a:t>Clear communication of the limitations and scope of the analysis. </a:t>
-            </a:r>
+            <a:endParaRPr lang="en-US" sz="2400" kern="0" dirty="0">
+              <a:solidFill>
+                <a:schemeClr val="tx1"/>
+              </a:solidFill>
+              <a:latin typeface="Times New Roman" panose="02020603050405020304" pitchFamily="18" charset="0"/>
+              <a:cs typeface="Times New Roman" panose="02020603050405020304" pitchFamily="18" charset="0"/>
+            </a:endParaRPr>
           </a:p>
           <a:p>
             <a:endParaRPr lang="en-US" dirty="0"/>
@@ -10685,7 +10786,7 @@
     </p:spTree>
     <p:extLst>
       <p:ext uri="{BB962C8B-B14F-4D97-AF65-F5344CB8AC3E}">
-        <p14:creationId xmlns:p14="http://schemas.microsoft.com/office/powerpoint/2010/main" val="1721879696"/>
+        <p14:creationId xmlns:p14="http://schemas.microsoft.com/office/powerpoint/2010/main" val="644696208"/>
       </p:ext>
     </p:extLst>
   </p:cSld>
@@ -11121,264 +11222,6 @@
           <p:cNvPr id="2" name="Title 1">
             <a:extLst>
               <a:ext uri="{FF2B5EF4-FFF2-40B4-BE49-F238E27FC236}">
-                <a16:creationId xmlns:a16="http://schemas.microsoft.com/office/drawing/2014/main" id="{B2F35498-21C8-E504-37EA-F39B5D66C949}"/>
-              </a:ext>
-            </a:extLst>
-          </p:cNvPr>
-          <p:cNvSpPr>
-            <a:spLocks noGrp="1"/>
-          </p:cNvSpPr>
-          <p:nvPr>
-            <p:ph type="title"/>
-          </p:nvPr>
-        </p:nvSpPr>
-        <p:spPr/>
-        <p:txBody>
-          <a:bodyPr/>
-          <a:lstStyle/>
-          <a:p>
-            <a:r>
-              <a:rPr lang="en-US" sz="2800" b="1" kern="0" dirty="0">
-                <a:solidFill>
-                  <a:schemeClr val="tx1"/>
-                </a:solidFill>
-                <a:effectLst/>
-                <a:latin typeface="Times New Roman" panose="02020603050405020304" pitchFamily="18" charset="0"/>
-                <a:ea typeface="Times New Roman" panose="02020603050405020304" pitchFamily="18" charset="0"/>
-                <a:cs typeface="Times New Roman" panose="02020603050405020304" pitchFamily="18" charset="0"/>
-              </a:rPr>
-              <a:t>Conclusion:</a:t>
-            </a:r>
-            <a:endParaRPr lang="en-US" b="1" dirty="0">
-              <a:solidFill>
-                <a:schemeClr val="tx1"/>
-              </a:solidFill>
-              <a:latin typeface="Times New Roman" panose="02020603050405020304" pitchFamily="18" charset="0"/>
-              <a:cs typeface="Times New Roman" panose="02020603050405020304" pitchFamily="18" charset="0"/>
-            </a:endParaRPr>
-          </a:p>
-        </p:txBody>
-      </p:sp>
-      <p:sp>
-        <p:nvSpPr>
-          <p:cNvPr id="3" name="Content Placeholder 2">
-            <a:extLst>
-              <a:ext uri="{FF2B5EF4-FFF2-40B4-BE49-F238E27FC236}">
-                <a16:creationId xmlns:a16="http://schemas.microsoft.com/office/drawing/2014/main" id="{8C508D44-AB78-38FE-FE4A-38E3034133AC}"/>
-              </a:ext>
-            </a:extLst>
-          </p:cNvPr>
-          <p:cNvSpPr>
-            <a:spLocks noGrp="1"/>
-          </p:cNvSpPr>
-          <p:nvPr>
-            <p:ph idx="1"/>
-          </p:nvPr>
-        </p:nvSpPr>
-        <p:spPr>
-          <a:xfrm>
-            <a:off x="677334" y="1756828"/>
-            <a:ext cx="8596668" cy="3880773"/>
-          </a:xfrm>
-        </p:spPr>
-        <p:txBody>
-          <a:bodyPr/>
-          <a:lstStyle/>
-          <a:p>
-            <a:pPr marL="0" marR="0" indent="0">
-              <a:lnSpc>
-                <a:spcPct val="107000"/>
-              </a:lnSpc>
-              <a:spcBef>
-                <a:spcPts val="1500"/>
-              </a:spcBef>
-              <a:spcAft>
-                <a:spcPts val="1500"/>
-              </a:spcAft>
-              <a:buNone/>
-            </a:pPr>
-            <a:r>
-              <a:rPr lang="en-US" sz="1800" kern="0" dirty="0">
-                <a:solidFill>
-                  <a:srgbClr val="D1D5DB"/>
-                </a:solidFill>
-                <a:effectLst/>
-                <a:latin typeface="Segoe UI" panose="020B0502040204020203" pitchFamily="34" charset="0"/>
-                <a:ea typeface="Times New Roman" panose="02020603050405020304" pitchFamily="18" charset="0"/>
-                <a:cs typeface="Times New Roman" panose="02020603050405020304" pitchFamily="18" charset="0"/>
-              </a:rPr>
-              <a:t>:</a:t>
-            </a:r>
-            <a:endParaRPr lang="en-US" sz="1800" kern="100" dirty="0">
-              <a:effectLst/>
-              <a:latin typeface="Calibri" panose="020F0502020204030204" pitchFamily="34" charset="0"/>
-              <a:ea typeface="Calibri" panose="020F0502020204030204" pitchFamily="34" charset="0"/>
-              <a:cs typeface="Times New Roman" panose="02020603050405020304" pitchFamily="18" charset="0"/>
-            </a:endParaRPr>
-          </a:p>
-          <a:p>
-            <a:pPr marL="342900" marR="0" lvl="0" indent="-342900">
-              <a:lnSpc>
-                <a:spcPct val="107000"/>
-              </a:lnSpc>
-              <a:spcBef>
-                <a:spcPts val="0"/>
-              </a:spcBef>
-              <a:spcAft>
-                <a:spcPts val="0"/>
-              </a:spcAft>
-              <a:buSzPts val="1000"/>
-              <a:buFont typeface="Symbol" panose="05050102010706020507" pitchFamily="18" charset="2"/>
-              <a:buChar char=""/>
-              <a:tabLst>
-                <a:tab pos="457200" algn="l"/>
-              </a:tabLst>
-            </a:pPr>
-            <a:r>
-              <a:rPr lang="en-US" sz="2400" kern="0" dirty="0">
-                <a:solidFill>
-                  <a:schemeClr val="tx1"/>
-                </a:solidFill>
-                <a:effectLst/>
-                <a:latin typeface="Times New Roman" panose="02020603050405020304" pitchFamily="18" charset="0"/>
-                <a:ea typeface="Times New Roman" panose="02020603050405020304" pitchFamily="18" charset="0"/>
-                <a:cs typeface="Times New Roman" panose="02020603050405020304" pitchFamily="18" charset="0"/>
-              </a:rPr>
-              <a:t>Airline safety has improved over time</a:t>
-            </a:r>
-            <a:endParaRPr lang="en-US" sz="2400" kern="100" dirty="0">
-              <a:solidFill>
-                <a:schemeClr val="tx1"/>
-              </a:solidFill>
-              <a:effectLst/>
-              <a:latin typeface="Times New Roman" panose="02020603050405020304" pitchFamily="18" charset="0"/>
-              <a:ea typeface="Calibri" panose="020F0502020204030204" pitchFamily="34" charset="0"/>
-              <a:cs typeface="Times New Roman" panose="02020603050405020304" pitchFamily="18" charset="0"/>
-            </a:endParaRPr>
-          </a:p>
-          <a:p>
-            <a:pPr marL="342900" marR="0" lvl="0" indent="-342900">
-              <a:lnSpc>
-                <a:spcPct val="107000"/>
-              </a:lnSpc>
-              <a:spcBef>
-                <a:spcPts val="0"/>
-              </a:spcBef>
-              <a:spcAft>
-                <a:spcPts val="0"/>
-              </a:spcAft>
-              <a:buSzPts val="1000"/>
-              <a:buFont typeface="Symbol" panose="05050102010706020507" pitchFamily="18" charset="2"/>
-              <a:buChar char=""/>
-              <a:tabLst>
-                <a:tab pos="457200" algn="l"/>
-              </a:tabLst>
-            </a:pPr>
-            <a:r>
-              <a:rPr lang="en-US" sz="2400" kern="0" dirty="0">
-                <a:solidFill>
-                  <a:schemeClr val="tx1"/>
-                </a:solidFill>
-                <a:effectLst/>
-                <a:latin typeface="Times New Roman" panose="02020603050405020304" pitchFamily="18" charset="0"/>
-                <a:ea typeface="Times New Roman" panose="02020603050405020304" pitchFamily="18" charset="0"/>
-                <a:cs typeface="Times New Roman" panose="02020603050405020304" pitchFamily="18" charset="0"/>
-              </a:rPr>
-              <a:t>Media claims not entirely supported by data</a:t>
-            </a:r>
-          </a:p>
-          <a:p>
-            <a:pPr>
-              <a:lnSpc>
-                <a:spcPct val="107000"/>
-              </a:lnSpc>
-              <a:spcBef>
-                <a:spcPts val="0"/>
-              </a:spcBef>
-              <a:buSzPts val="1000"/>
-              <a:buFont typeface="Symbol" panose="05050102010706020507" pitchFamily="18" charset="2"/>
-              <a:buChar char=""/>
-              <a:tabLst>
-                <a:tab pos="457200" algn="l"/>
-              </a:tabLst>
-            </a:pPr>
-            <a:r>
-              <a:rPr lang="en-US" sz="2400" kern="0" dirty="0">
-                <a:solidFill>
-                  <a:schemeClr val="tx1"/>
-                </a:solidFill>
-                <a:latin typeface="Times New Roman" panose="02020603050405020304" pitchFamily="18" charset="0"/>
-                <a:cs typeface="Times New Roman" panose="02020603050405020304" pitchFamily="18" charset="0"/>
-              </a:rPr>
-              <a:t>Airlines continue to prioritize passenger safety</a:t>
-            </a:r>
-          </a:p>
-          <a:p>
-            <a:pPr marL="342900" marR="0" lvl="0" indent="-342900">
-              <a:lnSpc>
-                <a:spcPct val="107000"/>
-              </a:lnSpc>
-              <a:spcBef>
-                <a:spcPts val="0"/>
-              </a:spcBef>
-              <a:spcAft>
-                <a:spcPts val="0"/>
-              </a:spcAft>
-              <a:buSzPts val="1000"/>
-              <a:buFont typeface="Symbol" panose="05050102010706020507" pitchFamily="18" charset="2"/>
-              <a:buChar char=""/>
-              <a:tabLst>
-                <a:tab pos="457200" algn="l"/>
-              </a:tabLst>
-            </a:pPr>
-            <a:endParaRPr lang="en-US" sz="2400" kern="0" dirty="0">
-              <a:solidFill>
-                <a:schemeClr val="tx1"/>
-              </a:solidFill>
-              <a:latin typeface="Times New Roman" panose="02020603050405020304" pitchFamily="18" charset="0"/>
-              <a:cs typeface="Times New Roman" panose="02020603050405020304" pitchFamily="18" charset="0"/>
-            </a:endParaRPr>
-          </a:p>
-          <a:p>
-            <a:endParaRPr lang="en-US" dirty="0"/>
-          </a:p>
-        </p:txBody>
-      </p:sp>
-    </p:spTree>
-    <p:extLst>
-      <p:ext uri="{BB962C8B-B14F-4D97-AF65-F5344CB8AC3E}">
-        <p14:creationId xmlns:p14="http://schemas.microsoft.com/office/powerpoint/2010/main" val="644696208"/>
-      </p:ext>
-    </p:extLst>
-  </p:cSld>
-  <p:clrMapOvr>
-    <a:masterClrMapping/>
-  </p:clrMapOvr>
-</p:sld>
-</file>
-
-<file path=ppt/slides/slide21.xml><?xml version="1.0" encoding="utf-8"?>
-<p:sld xmlns:a="http://schemas.openxmlformats.org/drawingml/2006/main" xmlns:r="http://schemas.openxmlformats.org/officeDocument/2006/relationships" xmlns:p="http://schemas.openxmlformats.org/presentationml/2006/main">
-  <p:cSld>
-    <p:spTree>
-      <p:nvGrpSpPr>
-        <p:cNvPr id="1" name=""/>
-        <p:cNvGrpSpPr/>
-        <p:nvPr/>
-      </p:nvGrpSpPr>
-      <p:grpSpPr>
-        <a:xfrm>
-          <a:off x="0" y="0"/>
-          <a:ext cx="0" cy="0"/>
-          <a:chOff x="0" y="0"/>
-          <a:chExt cx="0" cy="0"/>
-        </a:xfrm>
-      </p:grpSpPr>
-      <p:sp>
-        <p:nvSpPr>
-          <p:cNvPr id="2" name="Title 1">
-            <a:extLst>
-              <a:ext uri="{FF2B5EF4-FFF2-40B4-BE49-F238E27FC236}">
                 <a16:creationId xmlns:a16="http://schemas.microsoft.com/office/drawing/2014/main" id="{3E310389-8AC8-41D9-9C99-A1B817E2E427}"/>
               </a:ext>
             </a:extLst>
@@ -11645,7 +11488,7 @@
 </p:sld>
 </file>
 
-<file path=ppt/slides/slide22.xml><?xml version="1.0" encoding="utf-8"?>
+<file path=ppt/slides/slide21.xml><?xml version="1.0" encoding="utf-8"?>
 <p:sld xmlns:a="http://schemas.openxmlformats.org/drawingml/2006/main" xmlns:r="http://schemas.openxmlformats.org/officeDocument/2006/relationships" xmlns:p="http://schemas.openxmlformats.org/presentationml/2006/main">
   <p:cSld>
     <p:spTree>
@@ -12758,7 +12601,7 @@
         </p:nvSpPr>
         <p:spPr>
           <a:xfrm>
-            <a:off x="869603" y="0"/>
+            <a:off x="869603" y="-59376"/>
             <a:ext cx="8074815" cy="5700156"/>
           </a:xfrm>
         </p:spPr>

--- a/DSC640_NAVEEN_BAGAM_Week5&6_Presentation.pptx
+++ b/DSC640_NAVEEN_BAGAM_Week5&6_Presentation.pptx
@@ -217,7 +217,7 @@
           <a:p>
             <a:fld id="{9531AD6E-1D1B-4A9A-B34D-282675ADBFB2}" type="datetimeFigureOut">
               <a:rPr lang="en-US" smtClean="0"/>
-              <a:t>5/29/2023</a:t>
+              <a:t>6/2/2023</a:t>
             </a:fld>
             <a:endParaRPr lang="en-US"/>
           </a:p>
@@ -2634,7 +2634,7 @@
           <a:p>
             <a:fld id="{E815F5F3-2FB9-4C8F-830A-14080ED2D6DF}" type="datetimeFigureOut">
               <a:rPr lang="en-US" smtClean="0"/>
-              <a:t>5/29/2023</a:t>
+              <a:t>6/2/2023</a:t>
             </a:fld>
             <a:endParaRPr lang="en-US" dirty="0"/>
           </a:p>
@@ -2885,7 +2885,7 @@
           <a:p>
             <a:fld id="{E815F5F3-2FB9-4C8F-830A-14080ED2D6DF}" type="datetimeFigureOut">
               <a:rPr lang="en-US" smtClean="0"/>
-              <a:t>5/29/2023</a:t>
+              <a:t>6/2/2023</a:t>
             </a:fld>
             <a:endParaRPr lang="en-US" dirty="0"/>
           </a:p>
@@ -3199,7 +3199,7 @@
           <a:p>
             <a:fld id="{E815F5F3-2FB9-4C8F-830A-14080ED2D6DF}" type="datetimeFigureOut">
               <a:rPr lang="en-US" smtClean="0"/>
-              <a:t>5/29/2023</a:t>
+              <a:t>6/2/2023</a:t>
             </a:fld>
             <a:endParaRPr lang="en-US" dirty="0"/>
           </a:p>
@@ -3540,7 +3540,7 @@
           <a:p>
             <a:fld id="{E815F5F3-2FB9-4C8F-830A-14080ED2D6DF}" type="datetimeFigureOut">
               <a:rPr lang="en-US" smtClean="0"/>
-              <a:t>5/29/2023</a:t>
+              <a:t>6/2/2023</a:t>
             </a:fld>
             <a:endParaRPr lang="en-US" dirty="0"/>
           </a:p>
@@ -3854,7 +3854,7 @@
           <a:p>
             <a:fld id="{E815F5F3-2FB9-4C8F-830A-14080ED2D6DF}" type="datetimeFigureOut">
               <a:rPr lang="en-US" smtClean="0"/>
-              <a:t>5/29/2023</a:t>
+              <a:t>6/2/2023</a:t>
             </a:fld>
             <a:endParaRPr lang="en-US" dirty="0"/>
           </a:p>
@@ -4247,7 +4247,7 @@
           <a:p>
             <a:fld id="{E815F5F3-2FB9-4C8F-830A-14080ED2D6DF}" type="datetimeFigureOut">
               <a:rPr lang="en-US" smtClean="0"/>
-              <a:t>5/29/2023</a:t>
+              <a:t>6/2/2023</a:t>
             </a:fld>
             <a:endParaRPr lang="en-US" dirty="0"/>
           </a:p>
@@ -4417,7 +4417,7 @@
           <a:p>
             <a:fld id="{E815F5F3-2FB9-4C8F-830A-14080ED2D6DF}" type="datetimeFigureOut">
               <a:rPr lang="en-US" smtClean="0"/>
-              <a:t>5/29/2023</a:t>
+              <a:t>6/2/2023</a:t>
             </a:fld>
             <a:endParaRPr lang="en-US" dirty="0"/>
           </a:p>
@@ -4597,7 +4597,7 @@
           <a:p>
             <a:fld id="{E815F5F3-2FB9-4C8F-830A-14080ED2D6DF}" type="datetimeFigureOut">
               <a:rPr lang="en-US" smtClean="0"/>
-              <a:t>5/29/2023</a:t>
+              <a:t>6/2/2023</a:t>
             </a:fld>
             <a:endParaRPr lang="en-US" dirty="0"/>
           </a:p>
@@ -4773,7 +4773,7 @@
           <a:p>
             <a:fld id="{E815F5F3-2FB9-4C8F-830A-14080ED2D6DF}" type="datetimeFigureOut">
               <a:rPr lang="en-US" smtClean="0"/>
-              <a:t>5/29/2023</a:t>
+              <a:t>6/2/2023</a:t>
             </a:fld>
             <a:endParaRPr lang="en-US" dirty="0"/>
           </a:p>
@@ -5020,7 +5020,7 @@
           <a:p>
             <a:fld id="{E815F5F3-2FB9-4C8F-830A-14080ED2D6DF}" type="datetimeFigureOut">
               <a:rPr lang="en-US" smtClean="0"/>
-              <a:t>5/29/2023</a:t>
+              <a:t>6/2/2023</a:t>
             </a:fld>
             <a:endParaRPr lang="en-US" dirty="0"/>
           </a:p>
@@ -5252,7 +5252,7 @@
           <a:p>
             <a:fld id="{E815F5F3-2FB9-4C8F-830A-14080ED2D6DF}" type="datetimeFigureOut">
               <a:rPr lang="en-US" smtClean="0"/>
-              <a:t>5/29/2023</a:t>
+              <a:t>6/2/2023</a:t>
             </a:fld>
             <a:endParaRPr lang="en-US" dirty="0"/>
           </a:p>
@@ -5626,7 +5626,7 @@
           <a:p>
             <a:fld id="{E815F5F3-2FB9-4C8F-830A-14080ED2D6DF}" type="datetimeFigureOut">
               <a:rPr lang="en-US" smtClean="0"/>
-              <a:t>5/29/2023</a:t>
+              <a:t>6/2/2023</a:t>
             </a:fld>
             <a:endParaRPr lang="en-US" dirty="0"/>
           </a:p>
@@ -5749,7 +5749,7 @@
           <a:p>
             <a:fld id="{E815F5F3-2FB9-4C8F-830A-14080ED2D6DF}" type="datetimeFigureOut">
               <a:rPr lang="en-US" smtClean="0"/>
-              <a:t>5/29/2023</a:t>
+              <a:t>6/2/2023</a:t>
             </a:fld>
             <a:endParaRPr lang="en-US" dirty="0"/>
           </a:p>
@@ -5844,7 +5844,7 @@
           <a:p>
             <a:fld id="{E815F5F3-2FB9-4C8F-830A-14080ED2D6DF}" type="datetimeFigureOut">
               <a:rPr lang="en-US" smtClean="0"/>
-              <a:t>5/29/2023</a:t>
+              <a:t>6/2/2023</a:t>
             </a:fld>
             <a:endParaRPr lang="en-US" dirty="0"/>
           </a:p>
@@ -6099,7 +6099,7 @@
           <a:p>
             <a:fld id="{E815F5F3-2FB9-4C8F-830A-14080ED2D6DF}" type="datetimeFigureOut">
               <a:rPr lang="en-US" smtClean="0"/>
-              <a:t>5/29/2023</a:t>
+              <a:t>6/2/2023</a:t>
             </a:fld>
             <a:endParaRPr lang="en-US" dirty="0"/>
           </a:p>
@@ -6362,7 +6362,7 @@
           <a:p>
             <a:fld id="{E815F5F3-2FB9-4C8F-830A-14080ED2D6DF}" type="datetimeFigureOut">
               <a:rPr lang="en-US" smtClean="0"/>
-              <a:t>5/29/2023</a:t>
+              <a:t>6/2/2023</a:t>
             </a:fld>
             <a:endParaRPr lang="en-US" dirty="0"/>
           </a:p>
@@ -7105,7 +7105,7 @@
           <a:p>
             <a:fld id="{E815F5F3-2FB9-4C8F-830A-14080ED2D6DF}" type="datetimeFigureOut">
               <a:rPr lang="en-US" smtClean="0"/>
-              <a:t>5/29/2023</a:t>
+              <a:t>6/2/2023</a:t>
             </a:fld>
             <a:endParaRPr lang="en-US" dirty="0"/>
           </a:p>
@@ -7790,13 +7790,13 @@
           <p:nvPr/>
         </p:nvPicPr>
         <p:blipFill>
-          <a:blip r:embed="rId5">
+          <a:blip r:embed="rId3">
             <a:extLst>
               <a:ext uri="{28A0092B-C50C-407E-A947-70E740481C1C}">
                 <a14:useLocalDpi xmlns:a14="http://schemas.microsoft.com/office/drawing/2010/main" val="0"/>
               </a:ext>
               <a:ext uri="{96DAC541-7B7A-43D3-8B79-37D633B846F1}">
-                <asvg:svgBlip xmlns:asvg="http://schemas.microsoft.com/office/drawing/2016/SVG/main" r:embed="rId6"/>
+                <asvg:svgBlip xmlns:asvg="http://schemas.microsoft.com/office/drawing/2016/SVG/main" r:embed="rId4"/>
               </a:ext>
             </a:extLst>
           </a:blip>
@@ -7808,44 +7808,6 @@
           <a:xfrm>
             <a:off x="845771" y="2501988"/>
             <a:ext cx="1081447" cy="1956203"/>
-          </a:xfrm>
-          <a:prstGeom prst="rect">
-            <a:avLst/>
-          </a:prstGeom>
-        </p:spPr>
-      </p:pic>
-      <p:pic>
-        <p:nvPicPr>
-          <p:cNvPr id="9" name="Audio 8">
-            <a:hlinkClick r:id="" action="ppaction://media"/>
-            <a:extLst>
-              <a:ext uri="{FF2B5EF4-FFF2-40B4-BE49-F238E27FC236}">
-                <a16:creationId xmlns:a16="http://schemas.microsoft.com/office/drawing/2014/main" id="{BBE483E1-9A34-44C5-ABAA-2D22E9125B8B}"/>
-              </a:ext>
-            </a:extLst>
-          </p:cNvPr>
-          <p:cNvPicPr>
-            <a:picLocks noChangeAspect="1"/>
-          </p:cNvPicPr>
-          <p:nvPr>
-            <a:audioFile r:link="rId2"/>
-            <p:extLst>
-              <p:ext uri="{DAA4B4D4-6D71-4841-9C94-3DE7FCFB9230}">
-                <p14:media xmlns:p14="http://schemas.microsoft.com/office/powerpoint/2010/main" r:embed="rId1"/>
-              </p:ext>
-            </p:extLst>
-          </p:nvPr>
-        </p:nvPicPr>
-        <p:blipFill>
-          <a:blip r:embed="rId7"/>
-          <a:stretch>
-            <a:fillRect/>
-          </a:stretch>
-        </p:blipFill>
-        <p:spPr>
-          <a:xfrm>
-            <a:off x="11552238" y="6218238"/>
-            <a:ext cx="487362" cy="487362"/>
           </a:xfrm>
           <a:prstGeom prst="rect">
             <a:avLst/>
@@ -7867,7 +7829,7 @@
           <p:nvPr/>
         </p:nvPicPr>
         <p:blipFill>
-          <a:blip r:embed="rId8">
+          <a:blip r:embed="rId5">
             <a:extLst>
               <a:ext uri="{28A0092B-C50C-407E-A947-70E740481C1C}">
                 <a14:useLocalDpi xmlns:a14="http://schemas.microsoft.com/office/drawing/2010/main" val="0"/>
@@ -7914,7 +7876,7 @@
           <p:nvPr/>
         </p:nvPicPr>
         <p:blipFill>
-          <a:blip r:embed="rId9"/>
+          <a:blip r:embed="rId6"/>
           <a:stretch>
             <a:fillRect/>
           </a:stretch>
@@ -7947,93 +7909,6 @@
       <p:transition spd="slow" advTm="7930"/>
     </mc:Fallback>
   </mc:AlternateContent>
-  <p:timing>
-    <p:tnLst>
-      <p:par>
-        <p:cTn id="1" dur="indefinite" restart="never" nodeType="tmRoot">
-          <p:childTnLst>
-            <p:seq concurrent="1" nextAc="seek">
-              <p:cTn id="2" dur="indefinite" nodeType="mainSeq">
-                <p:childTnLst>
-                  <p:par>
-                    <p:cTn id="3" fill="hold">
-                      <p:stCondLst>
-                        <p:cond delay="indefinite"/>
-                        <p:cond evt="onBegin" delay="0">
-                          <p:tn val="2"/>
-                        </p:cond>
-                      </p:stCondLst>
-                      <p:childTnLst>
-                        <p:par>
-                          <p:cTn id="4" fill="hold">
-                            <p:stCondLst>
-                              <p:cond delay="0"/>
-                            </p:stCondLst>
-                            <p:childTnLst>
-                              <p:par>
-                                <p:cTn id="5" presetID="1" presetClass="mediacall" presetSubtype="0" fill="hold" nodeType="afterEffect">
-                                  <p:stCondLst>
-                                    <p:cond delay="0"/>
-                                  </p:stCondLst>
-                                  <p:childTnLst>
-                                    <p:cmd type="call" cmd="playFrom(0.0)">
-                                      <p:cBhvr>
-                                        <p:cTn id="6" dur="1" fill="hold"/>
-                                        <p:tgtEl>
-                                          <p:spTgt spid="9"/>
-                                        </p:tgtEl>
-                                      </p:cBhvr>
-                                    </p:cmd>
-                                  </p:childTnLst>
-                                </p:cTn>
-                              </p:par>
-                            </p:childTnLst>
-                          </p:cTn>
-                        </p:par>
-                      </p:childTnLst>
-                    </p:cTn>
-                  </p:par>
-                </p:childTnLst>
-              </p:cTn>
-              <p:prevCondLst>
-                <p:cond evt="onPrev" delay="0">
-                  <p:tgtEl>
-                    <p:sldTgt/>
-                  </p:tgtEl>
-                </p:cond>
-              </p:prevCondLst>
-              <p:nextCondLst>
-                <p:cond evt="onNext" delay="0">
-                  <p:tgtEl>
-                    <p:sldTgt/>
-                  </p:tgtEl>
-                </p:cond>
-              </p:nextCondLst>
-            </p:seq>
-            <p:audio isNarration="1">
-              <p:cMediaNode vol="80000" showWhenStopped="0">
-                <p:cTn id="7" fill="hold" display="0">
-                  <p:stCondLst>
-                    <p:cond delay="indefinite"/>
-                  </p:stCondLst>
-                  <p:endCondLst>
-                    <p:cond evt="onStopAudio" delay="0">
-                      <p:tgtEl>
-                        <p:sldTgt/>
-                      </p:tgtEl>
-                    </p:cond>
-                  </p:endCondLst>
-                </p:cTn>
-                <p:tgtEl>
-                  <p:spTgt spid="9"/>
-                </p:tgtEl>
-              </p:cMediaNode>
-            </p:audio>
-          </p:childTnLst>
-        </p:cTn>
-      </p:par>
-    </p:tnLst>
-  </p:timing>
 </p:sld>
 </file>
 
@@ -8166,44 +8041,6 @@
           </a:p>
         </p:txBody>
       </p:sp>
-      <p:pic>
-        <p:nvPicPr>
-          <p:cNvPr id="5" name="Audio 4">
-            <a:hlinkClick r:id="" action="ppaction://media"/>
-            <a:extLst>
-              <a:ext uri="{FF2B5EF4-FFF2-40B4-BE49-F238E27FC236}">
-                <a16:creationId xmlns:a16="http://schemas.microsoft.com/office/drawing/2014/main" id="{338B1826-8B44-44CD-8168-BA77E1882DD3}"/>
-              </a:ext>
-            </a:extLst>
-          </p:cNvPr>
-          <p:cNvPicPr>
-            <a:picLocks noChangeAspect="1"/>
-          </p:cNvPicPr>
-          <p:nvPr>
-            <a:audioFile r:link="rId2"/>
-            <p:extLst>
-              <p:ext uri="{DAA4B4D4-6D71-4841-9C94-3DE7FCFB9230}">
-                <p14:media xmlns:p14="http://schemas.microsoft.com/office/powerpoint/2010/main" r:embed="rId1"/>
-              </p:ext>
-            </p:extLst>
-          </p:nvPr>
-        </p:nvPicPr>
-        <p:blipFill>
-          <a:blip r:embed="rId5"/>
-          <a:stretch>
-            <a:fillRect/>
-          </a:stretch>
-        </p:blipFill>
-        <p:spPr>
-          <a:xfrm>
-            <a:off x="11552238" y="6218238"/>
-            <a:ext cx="487362" cy="487362"/>
-          </a:xfrm>
-          <a:prstGeom prst="rect">
-            <a:avLst/>
-          </a:prstGeom>
-        </p:spPr>
-      </p:pic>
     </p:spTree>
     <p:extLst>
       <p:ext uri="{BB962C8B-B14F-4D97-AF65-F5344CB8AC3E}">
@@ -8222,93 +8059,6 @@
       <p:transition spd="slow" advTm="14940"/>
     </mc:Fallback>
   </mc:AlternateContent>
-  <p:timing>
-    <p:tnLst>
-      <p:par>
-        <p:cTn id="1" dur="indefinite" restart="never" nodeType="tmRoot">
-          <p:childTnLst>
-            <p:seq concurrent="1" nextAc="seek">
-              <p:cTn id="2" dur="indefinite" nodeType="mainSeq">
-                <p:childTnLst>
-                  <p:par>
-                    <p:cTn id="3" fill="hold">
-                      <p:stCondLst>
-                        <p:cond delay="indefinite"/>
-                        <p:cond evt="onBegin" delay="0">
-                          <p:tn val="2"/>
-                        </p:cond>
-                      </p:stCondLst>
-                      <p:childTnLst>
-                        <p:par>
-                          <p:cTn id="4" fill="hold">
-                            <p:stCondLst>
-                              <p:cond delay="0"/>
-                            </p:stCondLst>
-                            <p:childTnLst>
-                              <p:par>
-                                <p:cTn id="5" presetID="1" presetClass="mediacall" presetSubtype="0" fill="hold" nodeType="afterEffect">
-                                  <p:stCondLst>
-                                    <p:cond delay="0"/>
-                                  </p:stCondLst>
-                                  <p:childTnLst>
-                                    <p:cmd type="call" cmd="playFrom(0.0)">
-                                      <p:cBhvr>
-                                        <p:cTn id="6" dur="1" fill="hold"/>
-                                        <p:tgtEl>
-                                          <p:spTgt spid="5"/>
-                                        </p:tgtEl>
-                                      </p:cBhvr>
-                                    </p:cmd>
-                                  </p:childTnLst>
-                                </p:cTn>
-                              </p:par>
-                            </p:childTnLst>
-                          </p:cTn>
-                        </p:par>
-                      </p:childTnLst>
-                    </p:cTn>
-                  </p:par>
-                </p:childTnLst>
-              </p:cTn>
-              <p:prevCondLst>
-                <p:cond evt="onPrev" delay="0">
-                  <p:tgtEl>
-                    <p:sldTgt/>
-                  </p:tgtEl>
-                </p:cond>
-              </p:prevCondLst>
-              <p:nextCondLst>
-                <p:cond evt="onNext" delay="0">
-                  <p:tgtEl>
-                    <p:sldTgt/>
-                  </p:tgtEl>
-                </p:cond>
-              </p:nextCondLst>
-            </p:seq>
-            <p:audio isNarration="1">
-              <p:cMediaNode vol="80000" showWhenStopped="0">
-                <p:cTn id="7" fill="hold" display="0">
-                  <p:stCondLst>
-                    <p:cond delay="indefinite"/>
-                  </p:stCondLst>
-                  <p:endCondLst>
-                    <p:cond evt="onStopAudio" delay="0">
-                      <p:tgtEl>
-                        <p:sldTgt/>
-                      </p:tgtEl>
-                    </p:cond>
-                  </p:endCondLst>
-                </p:cTn>
-                <p:tgtEl>
-                  <p:spTgt spid="5"/>
-                </p:tgtEl>
-              </p:cMediaNode>
-            </p:audio>
-          </p:childTnLst>
-        </p:cTn>
-      </p:par>
-    </p:tnLst>
-  </p:timing>
 </p:sld>
 </file>
 
@@ -8421,44 +8171,6 @@
       </p:sp>
       <p:pic>
         <p:nvPicPr>
-          <p:cNvPr id="5" name="Audio 4">
-            <a:hlinkClick r:id="" action="ppaction://media"/>
-            <a:extLst>
-              <a:ext uri="{FF2B5EF4-FFF2-40B4-BE49-F238E27FC236}">
-                <a16:creationId xmlns:a16="http://schemas.microsoft.com/office/drawing/2014/main" id="{338B1826-8B44-44CD-8168-BA77E1882DD3}"/>
-              </a:ext>
-            </a:extLst>
-          </p:cNvPr>
-          <p:cNvPicPr>
-            <a:picLocks noChangeAspect="1"/>
-          </p:cNvPicPr>
-          <p:nvPr>
-            <a:audioFile r:link="rId2"/>
-            <p:extLst>
-              <p:ext uri="{DAA4B4D4-6D71-4841-9C94-3DE7FCFB9230}">
-                <p14:media xmlns:p14="http://schemas.microsoft.com/office/powerpoint/2010/main" r:embed="rId1"/>
-              </p:ext>
-            </p:extLst>
-          </p:nvPr>
-        </p:nvPicPr>
-        <p:blipFill>
-          <a:blip r:embed="rId5"/>
-          <a:stretch>
-            <a:fillRect/>
-          </a:stretch>
-        </p:blipFill>
-        <p:spPr>
-          <a:xfrm>
-            <a:off x="11552238" y="6218238"/>
-            <a:ext cx="487362" cy="487362"/>
-          </a:xfrm>
-          <a:prstGeom prst="rect">
-            <a:avLst/>
-          </a:prstGeom>
-        </p:spPr>
-      </p:pic>
-      <p:pic>
-        <p:nvPicPr>
           <p:cNvPr id="4" name="Picture 3">
             <a:extLst>
               <a:ext uri="{FF2B5EF4-FFF2-40B4-BE49-F238E27FC236}">
@@ -8472,7 +8184,7 @@
           <p:nvPr/>
         </p:nvPicPr>
         <p:blipFill>
-          <a:blip r:embed="rId6"/>
+          <a:blip r:embed="rId3"/>
           <a:stretch>
             <a:fillRect/>
           </a:stretch>
@@ -8505,93 +8217,6 @@
       <p:transition spd="slow" advTm="14940"/>
     </mc:Fallback>
   </mc:AlternateContent>
-  <p:timing>
-    <p:tnLst>
-      <p:par>
-        <p:cTn id="1" dur="indefinite" restart="never" nodeType="tmRoot">
-          <p:childTnLst>
-            <p:seq concurrent="1" nextAc="seek">
-              <p:cTn id="2" dur="indefinite" nodeType="mainSeq">
-                <p:childTnLst>
-                  <p:par>
-                    <p:cTn id="3" fill="hold">
-                      <p:stCondLst>
-                        <p:cond delay="indefinite"/>
-                        <p:cond evt="onBegin" delay="0">
-                          <p:tn val="2"/>
-                        </p:cond>
-                      </p:stCondLst>
-                      <p:childTnLst>
-                        <p:par>
-                          <p:cTn id="4" fill="hold">
-                            <p:stCondLst>
-                              <p:cond delay="0"/>
-                            </p:stCondLst>
-                            <p:childTnLst>
-                              <p:par>
-                                <p:cTn id="5" presetID="1" presetClass="mediacall" presetSubtype="0" fill="hold" nodeType="afterEffect">
-                                  <p:stCondLst>
-                                    <p:cond delay="0"/>
-                                  </p:stCondLst>
-                                  <p:childTnLst>
-                                    <p:cmd type="call" cmd="playFrom(0.0)">
-                                      <p:cBhvr>
-                                        <p:cTn id="6" dur="1" fill="hold"/>
-                                        <p:tgtEl>
-                                          <p:spTgt spid="5"/>
-                                        </p:tgtEl>
-                                      </p:cBhvr>
-                                    </p:cmd>
-                                  </p:childTnLst>
-                                </p:cTn>
-                              </p:par>
-                            </p:childTnLst>
-                          </p:cTn>
-                        </p:par>
-                      </p:childTnLst>
-                    </p:cTn>
-                  </p:par>
-                </p:childTnLst>
-              </p:cTn>
-              <p:prevCondLst>
-                <p:cond evt="onPrev" delay="0">
-                  <p:tgtEl>
-                    <p:sldTgt/>
-                  </p:tgtEl>
-                </p:cond>
-              </p:prevCondLst>
-              <p:nextCondLst>
-                <p:cond evt="onNext" delay="0">
-                  <p:tgtEl>
-                    <p:sldTgt/>
-                  </p:tgtEl>
-                </p:cond>
-              </p:nextCondLst>
-            </p:seq>
-            <p:audio isNarration="1">
-              <p:cMediaNode vol="80000" showWhenStopped="0">
-                <p:cTn id="7" fill="hold" display="0">
-                  <p:stCondLst>
-                    <p:cond delay="indefinite"/>
-                  </p:stCondLst>
-                  <p:endCondLst>
-                    <p:cond evt="onStopAudio" delay="0">
-                      <p:tgtEl>
-                        <p:sldTgt/>
-                      </p:tgtEl>
-                    </p:cond>
-                  </p:endCondLst>
-                </p:cTn>
-                <p:tgtEl>
-                  <p:spTgt spid="5"/>
-                </p:tgtEl>
-              </p:cMediaNode>
-            </p:audio>
-          </p:childTnLst>
-        </p:cTn>
-      </p:par>
-    </p:tnLst>
-  </p:timing>
 </p:sld>
 </file>
 
@@ -8746,44 +8371,6 @@
           </a:p>
         </p:txBody>
       </p:sp>
-      <p:pic>
-        <p:nvPicPr>
-          <p:cNvPr id="5" name="Audio 4">
-            <a:hlinkClick r:id="" action="ppaction://media"/>
-            <a:extLst>
-              <a:ext uri="{FF2B5EF4-FFF2-40B4-BE49-F238E27FC236}">
-                <a16:creationId xmlns:a16="http://schemas.microsoft.com/office/drawing/2014/main" id="{338B1826-8B44-44CD-8168-BA77E1882DD3}"/>
-              </a:ext>
-            </a:extLst>
-          </p:cNvPr>
-          <p:cNvPicPr>
-            <a:picLocks noChangeAspect="1"/>
-          </p:cNvPicPr>
-          <p:nvPr>
-            <a:audioFile r:link="rId2"/>
-            <p:extLst>
-              <p:ext uri="{DAA4B4D4-6D71-4841-9C94-3DE7FCFB9230}">
-                <p14:media xmlns:p14="http://schemas.microsoft.com/office/powerpoint/2010/main" r:embed="rId1"/>
-              </p:ext>
-            </p:extLst>
-          </p:nvPr>
-        </p:nvPicPr>
-        <p:blipFill>
-          <a:blip r:embed="rId5"/>
-          <a:stretch>
-            <a:fillRect/>
-          </a:stretch>
-        </p:blipFill>
-        <p:spPr>
-          <a:xfrm>
-            <a:off x="11552238" y="6218238"/>
-            <a:ext cx="487362" cy="487362"/>
-          </a:xfrm>
-          <a:prstGeom prst="rect">
-            <a:avLst/>
-          </a:prstGeom>
-        </p:spPr>
-      </p:pic>
     </p:spTree>
     <p:extLst>
       <p:ext uri="{BB962C8B-B14F-4D97-AF65-F5344CB8AC3E}">
@@ -8802,93 +8389,6 @@
       <p:transition spd="slow" advTm="14940"/>
     </mc:Fallback>
   </mc:AlternateContent>
-  <p:timing>
-    <p:tnLst>
-      <p:par>
-        <p:cTn id="1" dur="indefinite" restart="never" nodeType="tmRoot">
-          <p:childTnLst>
-            <p:seq concurrent="1" nextAc="seek">
-              <p:cTn id="2" dur="indefinite" nodeType="mainSeq">
-                <p:childTnLst>
-                  <p:par>
-                    <p:cTn id="3" fill="hold">
-                      <p:stCondLst>
-                        <p:cond delay="indefinite"/>
-                        <p:cond evt="onBegin" delay="0">
-                          <p:tn val="2"/>
-                        </p:cond>
-                      </p:stCondLst>
-                      <p:childTnLst>
-                        <p:par>
-                          <p:cTn id="4" fill="hold">
-                            <p:stCondLst>
-                              <p:cond delay="0"/>
-                            </p:stCondLst>
-                            <p:childTnLst>
-                              <p:par>
-                                <p:cTn id="5" presetID="1" presetClass="mediacall" presetSubtype="0" fill="hold" nodeType="afterEffect">
-                                  <p:stCondLst>
-                                    <p:cond delay="0"/>
-                                  </p:stCondLst>
-                                  <p:childTnLst>
-                                    <p:cmd type="call" cmd="playFrom(0.0)">
-                                      <p:cBhvr>
-                                        <p:cTn id="6" dur="1" fill="hold"/>
-                                        <p:tgtEl>
-                                          <p:spTgt spid="5"/>
-                                        </p:tgtEl>
-                                      </p:cBhvr>
-                                    </p:cmd>
-                                  </p:childTnLst>
-                                </p:cTn>
-                              </p:par>
-                            </p:childTnLst>
-                          </p:cTn>
-                        </p:par>
-                      </p:childTnLst>
-                    </p:cTn>
-                  </p:par>
-                </p:childTnLst>
-              </p:cTn>
-              <p:prevCondLst>
-                <p:cond evt="onPrev" delay="0">
-                  <p:tgtEl>
-                    <p:sldTgt/>
-                  </p:tgtEl>
-                </p:cond>
-              </p:prevCondLst>
-              <p:nextCondLst>
-                <p:cond evt="onNext" delay="0">
-                  <p:tgtEl>
-                    <p:sldTgt/>
-                  </p:tgtEl>
-                </p:cond>
-              </p:nextCondLst>
-            </p:seq>
-            <p:audio isNarration="1">
-              <p:cMediaNode vol="80000" showWhenStopped="0">
-                <p:cTn id="7" fill="hold" display="0">
-                  <p:stCondLst>
-                    <p:cond delay="indefinite"/>
-                  </p:stCondLst>
-                  <p:endCondLst>
-                    <p:cond evt="onStopAudio" delay="0">
-                      <p:tgtEl>
-                        <p:sldTgt/>
-                      </p:tgtEl>
-                    </p:cond>
-                  </p:endCondLst>
-                </p:cTn>
-                <p:tgtEl>
-                  <p:spTgt spid="5"/>
-                </p:tgtEl>
-              </p:cMediaNode>
-            </p:audio>
-          </p:childTnLst>
-        </p:cTn>
-      </p:par>
-    </p:tnLst>
-  </p:timing>
 </p:sld>
 </file>
 
@@ -9034,44 +8534,6 @@
       </p:sp>
       <p:pic>
         <p:nvPicPr>
-          <p:cNvPr id="5" name="Audio 4">
-            <a:hlinkClick r:id="" action="ppaction://media"/>
-            <a:extLst>
-              <a:ext uri="{FF2B5EF4-FFF2-40B4-BE49-F238E27FC236}">
-                <a16:creationId xmlns:a16="http://schemas.microsoft.com/office/drawing/2014/main" id="{338B1826-8B44-44CD-8168-BA77E1882DD3}"/>
-              </a:ext>
-            </a:extLst>
-          </p:cNvPr>
-          <p:cNvPicPr>
-            <a:picLocks noChangeAspect="1"/>
-          </p:cNvPicPr>
-          <p:nvPr>
-            <a:audioFile r:link="rId2"/>
-            <p:extLst>
-              <p:ext uri="{DAA4B4D4-6D71-4841-9C94-3DE7FCFB9230}">
-                <p14:media xmlns:p14="http://schemas.microsoft.com/office/powerpoint/2010/main" r:embed="rId1"/>
-              </p:ext>
-            </p:extLst>
-          </p:nvPr>
-        </p:nvPicPr>
-        <p:blipFill>
-          <a:blip r:embed="rId5"/>
-          <a:stretch>
-            <a:fillRect/>
-          </a:stretch>
-        </p:blipFill>
-        <p:spPr>
-          <a:xfrm>
-            <a:off x="11552238" y="6218238"/>
-            <a:ext cx="487362" cy="487362"/>
-          </a:xfrm>
-          <a:prstGeom prst="rect">
-            <a:avLst/>
-          </a:prstGeom>
-        </p:spPr>
-      </p:pic>
-      <p:pic>
-        <p:nvPicPr>
           <p:cNvPr id="10" name="Picture 9">
             <a:extLst>
               <a:ext uri="{FF2B5EF4-FFF2-40B4-BE49-F238E27FC236}">
@@ -9085,7 +8547,7 @@
           <p:nvPr/>
         </p:nvPicPr>
         <p:blipFill>
-          <a:blip r:embed="rId6"/>
+          <a:blip r:embed="rId3"/>
           <a:stretch>
             <a:fillRect/>
           </a:stretch>
@@ -9115,7 +8577,7 @@
           <p:nvPr/>
         </p:nvPicPr>
         <p:blipFill>
-          <a:blip r:embed="rId7"/>
+          <a:blip r:embed="rId4"/>
           <a:stretch>
             <a:fillRect/>
           </a:stretch>
@@ -9148,93 +8610,6 @@
       <p:transition spd="slow" advTm="14940"/>
     </mc:Fallback>
   </mc:AlternateContent>
-  <p:timing>
-    <p:tnLst>
-      <p:par>
-        <p:cTn id="1" dur="indefinite" restart="never" nodeType="tmRoot">
-          <p:childTnLst>
-            <p:seq concurrent="1" nextAc="seek">
-              <p:cTn id="2" dur="indefinite" nodeType="mainSeq">
-                <p:childTnLst>
-                  <p:par>
-                    <p:cTn id="3" fill="hold">
-                      <p:stCondLst>
-                        <p:cond delay="indefinite"/>
-                        <p:cond evt="onBegin" delay="0">
-                          <p:tn val="2"/>
-                        </p:cond>
-                      </p:stCondLst>
-                      <p:childTnLst>
-                        <p:par>
-                          <p:cTn id="4" fill="hold">
-                            <p:stCondLst>
-                              <p:cond delay="0"/>
-                            </p:stCondLst>
-                            <p:childTnLst>
-                              <p:par>
-                                <p:cTn id="5" presetID="1" presetClass="mediacall" presetSubtype="0" fill="hold" nodeType="afterEffect">
-                                  <p:stCondLst>
-                                    <p:cond delay="0"/>
-                                  </p:stCondLst>
-                                  <p:childTnLst>
-                                    <p:cmd type="call" cmd="playFrom(0.0)">
-                                      <p:cBhvr>
-                                        <p:cTn id="6" dur="1" fill="hold"/>
-                                        <p:tgtEl>
-                                          <p:spTgt spid="5"/>
-                                        </p:tgtEl>
-                                      </p:cBhvr>
-                                    </p:cmd>
-                                  </p:childTnLst>
-                                </p:cTn>
-                              </p:par>
-                            </p:childTnLst>
-                          </p:cTn>
-                        </p:par>
-                      </p:childTnLst>
-                    </p:cTn>
-                  </p:par>
-                </p:childTnLst>
-              </p:cTn>
-              <p:prevCondLst>
-                <p:cond evt="onPrev" delay="0">
-                  <p:tgtEl>
-                    <p:sldTgt/>
-                  </p:tgtEl>
-                </p:cond>
-              </p:prevCondLst>
-              <p:nextCondLst>
-                <p:cond evt="onNext" delay="0">
-                  <p:tgtEl>
-                    <p:sldTgt/>
-                  </p:tgtEl>
-                </p:cond>
-              </p:nextCondLst>
-            </p:seq>
-            <p:audio isNarration="1">
-              <p:cMediaNode vol="80000" showWhenStopped="0">
-                <p:cTn id="7" fill="hold" display="0">
-                  <p:stCondLst>
-                    <p:cond delay="indefinite"/>
-                  </p:stCondLst>
-                  <p:endCondLst>
-                    <p:cond evt="onStopAudio" delay="0">
-                      <p:tgtEl>
-                        <p:sldTgt/>
-                      </p:tgtEl>
-                    </p:cond>
-                  </p:endCondLst>
-                </p:cTn>
-                <p:tgtEl>
-                  <p:spTgt spid="5"/>
-                </p:tgtEl>
-              </p:cMediaNode>
-            </p:audio>
-          </p:childTnLst>
-        </p:cTn>
-      </p:par>
-    </p:tnLst>
-  </p:timing>
 </p:sld>
 </file>
 
@@ -9378,44 +8753,6 @@
           </a:p>
         </p:txBody>
       </p:sp>
-      <p:pic>
-        <p:nvPicPr>
-          <p:cNvPr id="5" name="Audio 4">
-            <a:hlinkClick r:id="" action="ppaction://media"/>
-            <a:extLst>
-              <a:ext uri="{FF2B5EF4-FFF2-40B4-BE49-F238E27FC236}">
-                <a16:creationId xmlns:a16="http://schemas.microsoft.com/office/drawing/2014/main" id="{338B1826-8B44-44CD-8168-BA77E1882DD3}"/>
-              </a:ext>
-            </a:extLst>
-          </p:cNvPr>
-          <p:cNvPicPr>
-            <a:picLocks noChangeAspect="1"/>
-          </p:cNvPicPr>
-          <p:nvPr>
-            <a:audioFile r:link="rId2"/>
-            <p:extLst>
-              <p:ext uri="{DAA4B4D4-6D71-4841-9C94-3DE7FCFB9230}">
-                <p14:media xmlns:p14="http://schemas.microsoft.com/office/powerpoint/2010/main" r:embed="rId1"/>
-              </p:ext>
-            </p:extLst>
-          </p:nvPr>
-        </p:nvPicPr>
-        <p:blipFill>
-          <a:blip r:embed="rId5"/>
-          <a:stretch>
-            <a:fillRect/>
-          </a:stretch>
-        </p:blipFill>
-        <p:spPr>
-          <a:xfrm>
-            <a:off x="11552238" y="6218238"/>
-            <a:ext cx="487362" cy="487362"/>
-          </a:xfrm>
-          <a:prstGeom prst="rect">
-            <a:avLst/>
-          </a:prstGeom>
-        </p:spPr>
-      </p:pic>
     </p:spTree>
     <p:extLst>
       <p:ext uri="{BB962C8B-B14F-4D97-AF65-F5344CB8AC3E}">
@@ -9434,93 +8771,6 @@
       <p:transition spd="slow" advTm="14940"/>
     </mc:Fallback>
   </mc:AlternateContent>
-  <p:timing>
-    <p:tnLst>
-      <p:par>
-        <p:cTn id="1" dur="indefinite" restart="never" nodeType="tmRoot">
-          <p:childTnLst>
-            <p:seq concurrent="1" nextAc="seek">
-              <p:cTn id="2" dur="indefinite" nodeType="mainSeq">
-                <p:childTnLst>
-                  <p:par>
-                    <p:cTn id="3" fill="hold">
-                      <p:stCondLst>
-                        <p:cond delay="indefinite"/>
-                        <p:cond evt="onBegin" delay="0">
-                          <p:tn val="2"/>
-                        </p:cond>
-                      </p:stCondLst>
-                      <p:childTnLst>
-                        <p:par>
-                          <p:cTn id="4" fill="hold">
-                            <p:stCondLst>
-                              <p:cond delay="0"/>
-                            </p:stCondLst>
-                            <p:childTnLst>
-                              <p:par>
-                                <p:cTn id="5" presetID="1" presetClass="mediacall" presetSubtype="0" fill="hold" nodeType="afterEffect">
-                                  <p:stCondLst>
-                                    <p:cond delay="0"/>
-                                  </p:stCondLst>
-                                  <p:childTnLst>
-                                    <p:cmd type="call" cmd="playFrom(0.0)">
-                                      <p:cBhvr>
-                                        <p:cTn id="6" dur="1" fill="hold"/>
-                                        <p:tgtEl>
-                                          <p:spTgt spid="5"/>
-                                        </p:tgtEl>
-                                      </p:cBhvr>
-                                    </p:cmd>
-                                  </p:childTnLst>
-                                </p:cTn>
-                              </p:par>
-                            </p:childTnLst>
-                          </p:cTn>
-                        </p:par>
-                      </p:childTnLst>
-                    </p:cTn>
-                  </p:par>
-                </p:childTnLst>
-              </p:cTn>
-              <p:prevCondLst>
-                <p:cond evt="onPrev" delay="0">
-                  <p:tgtEl>
-                    <p:sldTgt/>
-                  </p:tgtEl>
-                </p:cond>
-              </p:prevCondLst>
-              <p:nextCondLst>
-                <p:cond evt="onNext" delay="0">
-                  <p:tgtEl>
-                    <p:sldTgt/>
-                  </p:tgtEl>
-                </p:cond>
-              </p:nextCondLst>
-            </p:seq>
-            <p:audio isNarration="1">
-              <p:cMediaNode vol="80000" showWhenStopped="0">
-                <p:cTn id="7" fill="hold" display="0">
-                  <p:stCondLst>
-                    <p:cond delay="indefinite"/>
-                  </p:stCondLst>
-                  <p:endCondLst>
-                    <p:cond evt="onStopAudio" delay="0">
-                      <p:tgtEl>
-                        <p:sldTgt/>
-                      </p:tgtEl>
-                    </p:cond>
-                  </p:endCondLst>
-                </p:cTn>
-                <p:tgtEl>
-                  <p:spTgt spid="5"/>
-                </p:tgtEl>
-              </p:cMediaNode>
-            </p:audio>
-          </p:childTnLst>
-        </p:cTn>
-      </p:par>
-    </p:tnLst>
-  </p:timing>
 </p:sld>
 </file>
 
@@ -9635,44 +8885,6 @@
       </p:sp>
       <p:pic>
         <p:nvPicPr>
-          <p:cNvPr id="5" name="Audio 4">
-            <a:hlinkClick r:id="" action="ppaction://media"/>
-            <a:extLst>
-              <a:ext uri="{FF2B5EF4-FFF2-40B4-BE49-F238E27FC236}">
-                <a16:creationId xmlns:a16="http://schemas.microsoft.com/office/drawing/2014/main" id="{338B1826-8B44-44CD-8168-BA77E1882DD3}"/>
-              </a:ext>
-            </a:extLst>
-          </p:cNvPr>
-          <p:cNvPicPr>
-            <a:picLocks noChangeAspect="1"/>
-          </p:cNvPicPr>
-          <p:nvPr>
-            <a:audioFile r:link="rId2"/>
-            <p:extLst>
-              <p:ext uri="{DAA4B4D4-6D71-4841-9C94-3DE7FCFB9230}">
-                <p14:media xmlns:p14="http://schemas.microsoft.com/office/powerpoint/2010/main" r:embed="rId1"/>
-              </p:ext>
-            </p:extLst>
-          </p:nvPr>
-        </p:nvPicPr>
-        <p:blipFill>
-          <a:blip r:embed="rId5"/>
-          <a:stretch>
-            <a:fillRect/>
-          </a:stretch>
-        </p:blipFill>
-        <p:spPr>
-          <a:xfrm>
-            <a:off x="11552238" y="6218238"/>
-            <a:ext cx="487362" cy="487362"/>
-          </a:xfrm>
-          <a:prstGeom prst="rect">
-            <a:avLst/>
-          </a:prstGeom>
-        </p:spPr>
-      </p:pic>
-      <p:pic>
-        <p:nvPicPr>
           <p:cNvPr id="6" name="Picture 5">
             <a:extLst>
               <a:ext uri="{FF2B5EF4-FFF2-40B4-BE49-F238E27FC236}">
@@ -9686,7 +8898,7 @@
           <p:nvPr/>
         </p:nvPicPr>
         <p:blipFill>
-          <a:blip r:embed="rId6"/>
+          <a:blip r:embed="rId3"/>
           <a:stretch>
             <a:fillRect/>
           </a:stretch>
@@ -9719,93 +8931,6 @@
       <p:transition spd="slow" advTm="14940"/>
     </mc:Fallback>
   </mc:AlternateContent>
-  <p:timing>
-    <p:tnLst>
-      <p:par>
-        <p:cTn id="1" dur="indefinite" restart="never" nodeType="tmRoot">
-          <p:childTnLst>
-            <p:seq concurrent="1" nextAc="seek">
-              <p:cTn id="2" dur="indefinite" nodeType="mainSeq">
-                <p:childTnLst>
-                  <p:par>
-                    <p:cTn id="3" fill="hold">
-                      <p:stCondLst>
-                        <p:cond delay="indefinite"/>
-                        <p:cond evt="onBegin" delay="0">
-                          <p:tn val="2"/>
-                        </p:cond>
-                      </p:stCondLst>
-                      <p:childTnLst>
-                        <p:par>
-                          <p:cTn id="4" fill="hold">
-                            <p:stCondLst>
-                              <p:cond delay="0"/>
-                            </p:stCondLst>
-                            <p:childTnLst>
-                              <p:par>
-                                <p:cTn id="5" presetID="1" presetClass="mediacall" presetSubtype="0" fill="hold" nodeType="afterEffect">
-                                  <p:stCondLst>
-                                    <p:cond delay="0"/>
-                                  </p:stCondLst>
-                                  <p:childTnLst>
-                                    <p:cmd type="call" cmd="playFrom(0.0)">
-                                      <p:cBhvr>
-                                        <p:cTn id="6" dur="1" fill="hold"/>
-                                        <p:tgtEl>
-                                          <p:spTgt spid="5"/>
-                                        </p:tgtEl>
-                                      </p:cBhvr>
-                                    </p:cmd>
-                                  </p:childTnLst>
-                                </p:cTn>
-                              </p:par>
-                            </p:childTnLst>
-                          </p:cTn>
-                        </p:par>
-                      </p:childTnLst>
-                    </p:cTn>
-                  </p:par>
-                </p:childTnLst>
-              </p:cTn>
-              <p:prevCondLst>
-                <p:cond evt="onPrev" delay="0">
-                  <p:tgtEl>
-                    <p:sldTgt/>
-                  </p:tgtEl>
-                </p:cond>
-              </p:prevCondLst>
-              <p:nextCondLst>
-                <p:cond evt="onNext" delay="0">
-                  <p:tgtEl>
-                    <p:sldTgt/>
-                  </p:tgtEl>
-                </p:cond>
-              </p:nextCondLst>
-            </p:seq>
-            <p:audio isNarration="1">
-              <p:cMediaNode vol="80000" showWhenStopped="0">
-                <p:cTn id="7" fill="hold" display="0">
-                  <p:stCondLst>
-                    <p:cond delay="indefinite"/>
-                  </p:stCondLst>
-                  <p:endCondLst>
-                    <p:cond evt="onStopAudio" delay="0">
-                      <p:tgtEl>
-                        <p:sldTgt/>
-                      </p:tgtEl>
-                    </p:cond>
-                  </p:endCondLst>
-                </p:cTn>
-                <p:tgtEl>
-                  <p:spTgt spid="5"/>
-                </p:tgtEl>
-              </p:cMediaNode>
-            </p:audio>
-          </p:childTnLst>
-        </p:cTn>
-      </p:par>
-    </p:tnLst>
-  </p:timing>
 </p:sld>
 </file>
 
@@ -9920,44 +9045,6 @@
       </p:sp>
       <p:pic>
         <p:nvPicPr>
-          <p:cNvPr id="5" name="Audio 4">
-            <a:hlinkClick r:id="" action="ppaction://media"/>
-            <a:extLst>
-              <a:ext uri="{FF2B5EF4-FFF2-40B4-BE49-F238E27FC236}">
-                <a16:creationId xmlns:a16="http://schemas.microsoft.com/office/drawing/2014/main" id="{338B1826-8B44-44CD-8168-BA77E1882DD3}"/>
-              </a:ext>
-            </a:extLst>
-          </p:cNvPr>
-          <p:cNvPicPr>
-            <a:picLocks noChangeAspect="1"/>
-          </p:cNvPicPr>
-          <p:nvPr>
-            <a:audioFile r:link="rId2"/>
-            <p:extLst>
-              <p:ext uri="{DAA4B4D4-6D71-4841-9C94-3DE7FCFB9230}">
-                <p14:media xmlns:p14="http://schemas.microsoft.com/office/powerpoint/2010/main" r:embed="rId1"/>
-              </p:ext>
-            </p:extLst>
-          </p:nvPr>
-        </p:nvPicPr>
-        <p:blipFill>
-          <a:blip r:embed="rId5"/>
-          <a:stretch>
-            <a:fillRect/>
-          </a:stretch>
-        </p:blipFill>
-        <p:spPr>
-          <a:xfrm>
-            <a:off x="11552238" y="6218238"/>
-            <a:ext cx="487362" cy="487362"/>
-          </a:xfrm>
-          <a:prstGeom prst="rect">
-            <a:avLst/>
-          </a:prstGeom>
-        </p:spPr>
-      </p:pic>
-      <p:pic>
-        <p:nvPicPr>
           <p:cNvPr id="8" name="Picture 7">
             <a:extLst>
               <a:ext uri="{FF2B5EF4-FFF2-40B4-BE49-F238E27FC236}">
@@ -9971,7 +9058,7 @@
           <p:nvPr/>
         </p:nvPicPr>
         <p:blipFill>
-          <a:blip r:embed="rId6"/>
+          <a:blip r:embed="rId3"/>
           <a:stretch>
             <a:fillRect/>
           </a:stretch>
@@ -10004,93 +9091,6 @@
       <p:transition spd="slow" advTm="14940"/>
     </mc:Fallback>
   </mc:AlternateContent>
-  <p:timing>
-    <p:tnLst>
-      <p:par>
-        <p:cTn id="1" dur="indefinite" restart="never" nodeType="tmRoot">
-          <p:childTnLst>
-            <p:seq concurrent="1" nextAc="seek">
-              <p:cTn id="2" dur="indefinite" nodeType="mainSeq">
-                <p:childTnLst>
-                  <p:par>
-                    <p:cTn id="3" fill="hold">
-                      <p:stCondLst>
-                        <p:cond delay="indefinite"/>
-                        <p:cond evt="onBegin" delay="0">
-                          <p:tn val="2"/>
-                        </p:cond>
-                      </p:stCondLst>
-                      <p:childTnLst>
-                        <p:par>
-                          <p:cTn id="4" fill="hold">
-                            <p:stCondLst>
-                              <p:cond delay="0"/>
-                            </p:stCondLst>
-                            <p:childTnLst>
-                              <p:par>
-                                <p:cTn id="5" presetID="1" presetClass="mediacall" presetSubtype="0" fill="hold" nodeType="afterEffect">
-                                  <p:stCondLst>
-                                    <p:cond delay="0"/>
-                                  </p:stCondLst>
-                                  <p:childTnLst>
-                                    <p:cmd type="call" cmd="playFrom(0.0)">
-                                      <p:cBhvr>
-                                        <p:cTn id="6" dur="1" fill="hold"/>
-                                        <p:tgtEl>
-                                          <p:spTgt spid="5"/>
-                                        </p:tgtEl>
-                                      </p:cBhvr>
-                                    </p:cmd>
-                                  </p:childTnLst>
-                                </p:cTn>
-                              </p:par>
-                            </p:childTnLst>
-                          </p:cTn>
-                        </p:par>
-                      </p:childTnLst>
-                    </p:cTn>
-                  </p:par>
-                </p:childTnLst>
-              </p:cTn>
-              <p:prevCondLst>
-                <p:cond evt="onPrev" delay="0">
-                  <p:tgtEl>
-                    <p:sldTgt/>
-                  </p:tgtEl>
-                </p:cond>
-              </p:prevCondLst>
-              <p:nextCondLst>
-                <p:cond evt="onNext" delay="0">
-                  <p:tgtEl>
-                    <p:sldTgt/>
-                  </p:tgtEl>
-                </p:cond>
-              </p:nextCondLst>
-            </p:seq>
-            <p:audio isNarration="1">
-              <p:cMediaNode vol="80000" showWhenStopped="0">
-                <p:cTn id="7" fill="hold" display="0">
-                  <p:stCondLst>
-                    <p:cond delay="indefinite"/>
-                  </p:stCondLst>
-                  <p:endCondLst>
-                    <p:cond evt="onStopAudio" delay="0">
-                      <p:tgtEl>
-                        <p:sldTgt/>
-                      </p:tgtEl>
-                    </p:cond>
-                  </p:endCondLst>
-                </p:cTn>
-                <p:tgtEl>
-                  <p:spTgt spid="5"/>
-                </p:tgtEl>
-              </p:cMediaNode>
-            </p:audio>
-          </p:childTnLst>
-        </p:cTn>
-      </p:par>
-    </p:tnLst>
-  </p:timing>
 </p:sld>
 </file>
 
@@ -10236,44 +9236,6 @@
           </a:p>
         </p:txBody>
       </p:sp>
-      <p:pic>
-        <p:nvPicPr>
-          <p:cNvPr id="5" name="Audio 4">
-            <a:hlinkClick r:id="" action="ppaction://media"/>
-            <a:extLst>
-              <a:ext uri="{FF2B5EF4-FFF2-40B4-BE49-F238E27FC236}">
-                <a16:creationId xmlns:a16="http://schemas.microsoft.com/office/drawing/2014/main" id="{338B1826-8B44-44CD-8168-BA77E1882DD3}"/>
-              </a:ext>
-            </a:extLst>
-          </p:cNvPr>
-          <p:cNvPicPr>
-            <a:picLocks noChangeAspect="1"/>
-          </p:cNvPicPr>
-          <p:nvPr>
-            <a:audioFile r:link="rId2"/>
-            <p:extLst>
-              <p:ext uri="{DAA4B4D4-6D71-4841-9C94-3DE7FCFB9230}">
-                <p14:media xmlns:p14="http://schemas.microsoft.com/office/powerpoint/2010/main" r:embed="rId1"/>
-              </p:ext>
-            </p:extLst>
-          </p:nvPr>
-        </p:nvPicPr>
-        <p:blipFill>
-          <a:blip r:embed="rId5"/>
-          <a:stretch>
-            <a:fillRect/>
-          </a:stretch>
-        </p:blipFill>
-        <p:spPr>
-          <a:xfrm>
-            <a:off x="11552238" y="6218238"/>
-            <a:ext cx="487362" cy="487362"/>
-          </a:xfrm>
-          <a:prstGeom prst="rect">
-            <a:avLst/>
-          </a:prstGeom>
-        </p:spPr>
-      </p:pic>
     </p:spTree>
     <p:extLst>
       <p:ext uri="{BB962C8B-B14F-4D97-AF65-F5344CB8AC3E}">
@@ -10292,93 +9254,6 @@
       <p:transition spd="slow" advTm="14940"/>
     </mc:Fallback>
   </mc:AlternateContent>
-  <p:timing>
-    <p:tnLst>
-      <p:par>
-        <p:cTn id="1" dur="indefinite" restart="never" nodeType="tmRoot">
-          <p:childTnLst>
-            <p:seq concurrent="1" nextAc="seek">
-              <p:cTn id="2" dur="indefinite" nodeType="mainSeq">
-                <p:childTnLst>
-                  <p:par>
-                    <p:cTn id="3" fill="hold">
-                      <p:stCondLst>
-                        <p:cond delay="indefinite"/>
-                        <p:cond evt="onBegin" delay="0">
-                          <p:tn val="2"/>
-                        </p:cond>
-                      </p:stCondLst>
-                      <p:childTnLst>
-                        <p:par>
-                          <p:cTn id="4" fill="hold">
-                            <p:stCondLst>
-                              <p:cond delay="0"/>
-                            </p:stCondLst>
-                            <p:childTnLst>
-                              <p:par>
-                                <p:cTn id="5" presetID="1" presetClass="mediacall" presetSubtype="0" fill="hold" nodeType="afterEffect">
-                                  <p:stCondLst>
-                                    <p:cond delay="0"/>
-                                  </p:stCondLst>
-                                  <p:childTnLst>
-                                    <p:cmd type="call" cmd="playFrom(0.0)">
-                                      <p:cBhvr>
-                                        <p:cTn id="6" dur="1" fill="hold"/>
-                                        <p:tgtEl>
-                                          <p:spTgt spid="5"/>
-                                        </p:tgtEl>
-                                      </p:cBhvr>
-                                    </p:cmd>
-                                  </p:childTnLst>
-                                </p:cTn>
-                              </p:par>
-                            </p:childTnLst>
-                          </p:cTn>
-                        </p:par>
-                      </p:childTnLst>
-                    </p:cTn>
-                  </p:par>
-                </p:childTnLst>
-              </p:cTn>
-              <p:prevCondLst>
-                <p:cond evt="onPrev" delay="0">
-                  <p:tgtEl>
-                    <p:sldTgt/>
-                  </p:tgtEl>
-                </p:cond>
-              </p:prevCondLst>
-              <p:nextCondLst>
-                <p:cond evt="onNext" delay="0">
-                  <p:tgtEl>
-                    <p:sldTgt/>
-                  </p:tgtEl>
-                </p:cond>
-              </p:nextCondLst>
-            </p:seq>
-            <p:audio isNarration="1">
-              <p:cMediaNode vol="80000" showWhenStopped="0">
-                <p:cTn id="7" fill="hold" display="0">
-                  <p:stCondLst>
-                    <p:cond delay="indefinite"/>
-                  </p:stCondLst>
-                  <p:endCondLst>
-                    <p:cond evt="onStopAudio" delay="0">
-                      <p:tgtEl>
-                        <p:sldTgt/>
-                      </p:tgtEl>
-                    </p:cond>
-                  </p:endCondLst>
-                </p:cTn>
-                <p:tgtEl>
-                  <p:spTgt spid="5"/>
-                </p:tgtEl>
-              </p:cMediaNode>
-            </p:audio>
-          </p:childTnLst>
-        </p:cTn>
-      </p:par>
-    </p:tnLst>
-  </p:timing>
 </p:sld>
 </file>
 
@@ -11054,44 +9929,6 @@
           </a:p>
         </p:txBody>
       </p:sp>
-      <p:pic>
-        <p:nvPicPr>
-          <p:cNvPr id="7" name="Audio 6">
-            <a:hlinkClick r:id="" action="ppaction://media"/>
-            <a:extLst>
-              <a:ext uri="{FF2B5EF4-FFF2-40B4-BE49-F238E27FC236}">
-                <a16:creationId xmlns:a16="http://schemas.microsoft.com/office/drawing/2014/main" id="{C6B8985B-19E2-4C1E-9A85-D0E836261FBC}"/>
-              </a:ext>
-            </a:extLst>
-          </p:cNvPr>
-          <p:cNvPicPr>
-            <a:picLocks noChangeAspect="1"/>
-          </p:cNvPicPr>
-          <p:nvPr>
-            <a:audioFile r:link="rId2"/>
-            <p:extLst>
-              <p:ext uri="{DAA4B4D4-6D71-4841-9C94-3DE7FCFB9230}">
-                <p14:media xmlns:p14="http://schemas.microsoft.com/office/powerpoint/2010/main" r:embed="rId1"/>
-              </p:ext>
-            </p:extLst>
-          </p:nvPr>
-        </p:nvPicPr>
-        <p:blipFill>
-          <a:blip r:embed="rId5"/>
-          <a:stretch>
-            <a:fillRect/>
-          </a:stretch>
-        </p:blipFill>
-        <p:spPr>
-          <a:xfrm>
-            <a:off x="11552238" y="6218238"/>
-            <a:ext cx="487362" cy="487362"/>
-          </a:xfrm>
-          <a:prstGeom prst="rect">
-            <a:avLst/>
-          </a:prstGeom>
-        </p:spPr>
-      </p:pic>
     </p:spTree>
     <p:extLst>
       <p:ext uri="{BB962C8B-B14F-4D97-AF65-F5344CB8AC3E}">
@@ -11110,93 +9947,6 @@
       <p:transition spd="slow" advTm="34062"/>
     </mc:Fallback>
   </mc:AlternateContent>
-  <p:timing>
-    <p:tnLst>
-      <p:par>
-        <p:cTn id="1" dur="indefinite" restart="never" nodeType="tmRoot">
-          <p:childTnLst>
-            <p:seq concurrent="1" nextAc="seek">
-              <p:cTn id="2" dur="indefinite" nodeType="mainSeq">
-                <p:childTnLst>
-                  <p:par>
-                    <p:cTn id="3" fill="hold">
-                      <p:stCondLst>
-                        <p:cond delay="indefinite"/>
-                        <p:cond evt="onBegin" delay="0">
-                          <p:tn val="2"/>
-                        </p:cond>
-                      </p:stCondLst>
-                      <p:childTnLst>
-                        <p:par>
-                          <p:cTn id="4" fill="hold">
-                            <p:stCondLst>
-                              <p:cond delay="0"/>
-                            </p:stCondLst>
-                            <p:childTnLst>
-                              <p:par>
-                                <p:cTn id="5" presetID="1" presetClass="mediacall" presetSubtype="0" fill="hold" nodeType="afterEffect">
-                                  <p:stCondLst>
-                                    <p:cond delay="0"/>
-                                  </p:stCondLst>
-                                  <p:childTnLst>
-                                    <p:cmd type="call" cmd="playFrom(0.0)">
-                                      <p:cBhvr>
-                                        <p:cTn id="6" dur="1" fill="hold"/>
-                                        <p:tgtEl>
-                                          <p:spTgt spid="7"/>
-                                        </p:tgtEl>
-                                      </p:cBhvr>
-                                    </p:cmd>
-                                  </p:childTnLst>
-                                </p:cTn>
-                              </p:par>
-                            </p:childTnLst>
-                          </p:cTn>
-                        </p:par>
-                      </p:childTnLst>
-                    </p:cTn>
-                  </p:par>
-                </p:childTnLst>
-              </p:cTn>
-              <p:prevCondLst>
-                <p:cond evt="onPrev" delay="0">
-                  <p:tgtEl>
-                    <p:sldTgt/>
-                  </p:tgtEl>
-                </p:cond>
-              </p:prevCondLst>
-              <p:nextCondLst>
-                <p:cond evt="onNext" delay="0">
-                  <p:tgtEl>
-                    <p:sldTgt/>
-                  </p:tgtEl>
-                </p:cond>
-              </p:nextCondLst>
-            </p:seq>
-            <p:audio isNarration="1">
-              <p:cMediaNode vol="80000" showWhenStopped="0">
-                <p:cTn id="7" fill="hold" display="0">
-                  <p:stCondLst>
-                    <p:cond delay="indefinite"/>
-                  </p:stCondLst>
-                  <p:endCondLst>
-                    <p:cond evt="onStopAudio" delay="0">
-                      <p:tgtEl>
-                        <p:sldTgt/>
-                      </p:tgtEl>
-                    </p:cond>
-                  </p:endCondLst>
-                </p:cTn>
-                <p:tgtEl>
-                  <p:spTgt spid="7"/>
-                </p:tgtEl>
-              </p:cMediaNode>
-            </p:audio>
-          </p:childTnLst>
-        </p:cTn>
-      </p:par>
-    </p:tnLst>
-  </p:timing>
 </p:sld>
 </file>
 
@@ -11268,118 +10018,49 @@
           </a:bodyPr>
           <a:lstStyle/>
           <a:p>
-            <a:pPr marL="0" marR="0">
-              <a:lnSpc>
-                <a:spcPct val="107000"/>
-              </a:lnSpc>
-              <a:spcBef>
-                <a:spcPts val="0"/>
-              </a:spcBef>
-              <a:spcAft>
-                <a:spcPts val="800"/>
-              </a:spcAft>
-            </a:pPr>
-            <a:r>
-              <a:rPr lang="en-US" sz="1800" dirty="0">
+            <a:r>
+              <a:rPr lang="en-US" u="sng" dirty="0">
                 <a:effectLst/>
-                <a:latin typeface="Calibri" panose="020F0502020204030204" pitchFamily="34" charset="0"/>
-                <a:ea typeface="Calibri" panose="020F0502020204030204" pitchFamily="34" charset="0"/>
-                <a:cs typeface="Times New Roman" panose="02020603050405020304" pitchFamily="18" charset="0"/>
+                <a:hlinkClick r:id="rId2"/>
+              </a:rPr>
+              <a:t>https://github.com/fivethirtyeight/data/tree/master/airline-safety</a:t>
+            </a:r>
+            <a:endParaRPr lang="en-US" dirty="0">
+              <a:effectLst/>
+            </a:endParaRPr>
+          </a:p>
+          <a:p>
+            <a:r>
+              <a:rPr lang="en-US" dirty="0">
+                <a:solidFill>
+                  <a:srgbClr val="404040"/>
+                </a:solidFill>
+                <a:effectLst/>
+                <a:hlinkClick r:id="rId3"/>
+              </a:rPr>
+              <a:t>https://www.nhtsa.gov/nhtsa-datasets-and-apis</a:t>
+            </a:r>
+            <a:endParaRPr lang="en-US" dirty="0">
+              <a:effectLst/>
+            </a:endParaRPr>
+          </a:p>
+          <a:p>
+            <a:r>
+              <a:rPr lang="en-US" dirty="0">
+                <a:solidFill>
+                  <a:srgbClr val="404040"/>
+                </a:solidFill>
+                <a:effectLst/>
                 <a:hlinkClick r:id="rId4"/>
               </a:rPr>
-              <a:t>https://www.nhtsa.gov/nhtsa-datasets-and-apis</a:t>
-            </a:r>
-            <a:endParaRPr lang="en-US" sz="1800" dirty="0">
+              <a:t>https://www.baaa-acro.com/statistics</a:t>
+            </a:r>
+            <a:endParaRPr lang="en-US" dirty="0">
               <a:effectLst/>
-              <a:latin typeface="Calibri" panose="020F0502020204030204" pitchFamily="34" charset="0"/>
-              <a:ea typeface="Calibri" panose="020F0502020204030204" pitchFamily="34" charset="0"/>
-              <a:cs typeface="Times New Roman" panose="02020603050405020304" pitchFamily="18" charset="0"/>
             </a:endParaRPr>
           </a:p>
-          <a:p>
-            <a:pPr marL="0" marR="0">
-              <a:lnSpc>
-                <a:spcPct val="107000"/>
-              </a:lnSpc>
-              <a:spcBef>
-                <a:spcPts val="0"/>
-              </a:spcBef>
-              <a:spcAft>
-                <a:spcPts val="800"/>
-              </a:spcAft>
-            </a:pPr>
-            <a:r>
-              <a:rPr lang="en-US" sz="1800" dirty="0">
-                <a:effectLst/>
-                <a:latin typeface="Calibri" panose="020F0502020204030204" pitchFamily="34" charset="0"/>
-                <a:ea typeface="Calibri" panose="020F0502020204030204" pitchFamily="34" charset="0"/>
-                <a:cs typeface="Times New Roman" panose="02020603050405020304" pitchFamily="18" charset="0"/>
-                <a:hlinkClick r:id="rId5"/>
-              </a:rPr>
-              <a:t>https://www.baaa-acro.com/statistics</a:t>
-            </a:r>
-            <a:br>
-              <a:rPr lang="en-US" dirty="0">
-                <a:latin typeface="Calibri" panose="020F0502020204030204" pitchFamily="34" charset="0"/>
-                <a:ea typeface="Calibri" panose="020F0502020204030204" pitchFamily="34" charset="0"/>
-                <a:cs typeface="Times New Roman" panose="02020603050405020304" pitchFamily="18" charset="0"/>
-              </a:rPr>
-            </a:br>
-            <a:br>
-              <a:rPr lang="en-US" sz="1800" dirty="0">
-                <a:effectLst/>
-                <a:latin typeface="Calibri" panose="020F0502020204030204" pitchFamily="34" charset="0"/>
-                <a:ea typeface="Calibri" panose="020F0502020204030204" pitchFamily="34" charset="0"/>
-                <a:cs typeface="Times New Roman" panose="02020603050405020304" pitchFamily="18" charset="0"/>
-              </a:rPr>
-            </a:br>
-            <a:endParaRPr lang="en-US" sz="1800" dirty="0">
-              <a:effectLst/>
-              <a:latin typeface="Calibri" panose="020F0502020204030204" pitchFamily="34" charset="0"/>
-              <a:ea typeface="Calibri" panose="020F0502020204030204" pitchFamily="34" charset="0"/>
-              <a:cs typeface="Times New Roman" panose="02020603050405020304" pitchFamily="18" charset="0"/>
-            </a:endParaRPr>
-          </a:p>
-        </p:txBody>
-      </p:sp>
-      <p:pic>
-        <p:nvPicPr>
-          <p:cNvPr id="7" name="Audio 6">
-            <a:hlinkClick r:id="" action="ppaction://media"/>
-            <a:extLst>
-              <a:ext uri="{FF2B5EF4-FFF2-40B4-BE49-F238E27FC236}">
-                <a16:creationId xmlns:a16="http://schemas.microsoft.com/office/drawing/2014/main" id="{B16DFF7F-E72F-434A-90B9-16569AE9886C}"/>
-              </a:ext>
-            </a:extLst>
-          </p:cNvPr>
-          <p:cNvPicPr>
-            <a:picLocks noChangeAspect="1"/>
-          </p:cNvPicPr>
-          <p:nvPr>
-            <a:audioFile r:link="rId2"/>
-            <p:extLst>
-              <p:ext uri="{DAA4B4D4-6D71-4841-9C94-3DE7FCFB9230}">
-                <p14:media xmlns:p14="http://schemas.microsoft.com/office/powerpoint/2010/main" r:embed="rId1"/>
-              </p:ext>
-            </p:extLst>
-          </p:nvPr>
-        </p:nvPicPr>
-        <p:blipFill>
-          <a:blip r:embed="rId6"/>
-          <a:stretch>
-            <a:fillRect/>
-          </a:stretch>
-        </p:blipFill>
-        <p:spPr>
-          <a:xfrm>
-            <a:off x="11552238" y="6218238"/>
-            <a:ext cx="487362" cy="487362"/>
-          </a:xfrm>
-          <a:prstGeom prst="rect">
-            <a:avLst/>
-          </a:prstGeom>
-        </p:spPr>
-      </p:pic>
+        </p:txBody>
+      </p:sp>
     </p:spTree>
     <p:extLst>
       <p:ext uri="{BB962C8B-B14F-4D97-AF65-F5344CB8AC3E}">
@@ -11398,93 +10079,6 @@
       <p:transition spd="slow" advTm="13265"/>
     </mc:Fallback>
   </mc:AlternateContent>
-  <p:timing>
-    <p:tnLst>
-      <p:par>
-        <p:cTn id="1" dur="indefinite" restart="never" nodeType="tmRoot">
-          <p:childTnLst>
-            <p:seq concurrent="1" nextAc="seek">
-              <p:cTn id="2" dur="indefinite" nodeType="mainSeq">
-                <p:childTnLst>
-                  <p:par>
-                    <p:cTn id="3" fill="hold">
-                      <p:stCondLst>
-                        <p:cond delay="indefinite"/>
-                        <p:cond evt="onBegin" delay="0">
-                          <p:tn val="2"/>
-                        </p:cond>
-                      </p:stCondLst>
-                      <p:childTnLst>
-                        <p:par>
-                          <p:cTn id="4" fill="hold">
-                            <p:stCondLst>
-                              <p:cond delay="0"/>
-                            </p:stCondLst>
-                            <p:childTnLst>
-                              <p:par>
-                                <p:cTn id="5" presetID="1" presetClass="mediacall" presetSubtype="0" fill="hold" nodeType="afterEffect">
-                                  <p:stCondLst>
-                                    <p:cond delay="0"/>
-                                  </p:stCondLst>
-                                  <p:childTnLst>
-                                    <p:cmd type="call" cmd="playFrom(0.0)">
-                                      <p:cBhvr>
-                                        <p:cTn id="6" dur="1" fill="hold"/>
-                                        <p:tgtEl>
-                                          <p:spTgt spid="7"/>
-                                        </p:tgtEl>
-                                      </p:cBhvr>
-                                    </p:cmd>
-                                  </p:childTnLst>
-                                </p:cTn>
-                              </p:par>
-                            </p:childTnLst>
-                          </p:cTn>
-                        </p:par>
-                      </p:childTnLst>
-                    </p:cTn>
-                  </p:par>
-                </p:childTnLst>
-              </p:cTn>
-              <p:prevCondLst>
-                <p:cond evt="onPrev" delay="0">
-                  <p:tgtEl>
-                    <p:sldTgt/>
-                  </p:tgtEl>
-                </p:cond>
-              </p:prevCondLst>
-              <p:nextCondLst>
-                <p:cond evt="onNext" delay="0">
-                  <p:tgtEl>
-                    <p:sldTgt/>
-                  </p:tgtEl>
-                </p:cond>
-              </p:nextCondLst>
-            </p:seq>
-            <p:audio isNarration="1">
-              <p:cMediaNode vol="80000" showWhenStopped="0">
-                <p:cTn id="7" fill="hold" display="0">
-                  <p:stCondLst>
-                    <p:cond delay="indefinite"/>
-                  </p:stCondLst>
-                  <p:endCondLst>
-                    <p:cond evt="onStopAudio" delay="0">
-                      <p:tgtEl>
-                        <p:sldTgt/>
-                      </p:tgtEl>
-                    </p:cond>
-                  </p:endCondLst>
-                </p:cTn>
-                <p:tgtEl>
-                  <p:spTgt spid="7"/>
-                </p:tgtEl>
-              </p:cMediaNode>
-            </p:audio>
-          </p:childTnLst>
-        </p:cTn>
-      </p:par>
-    </p:tnLst>
-  </p:timing>
 </p:sld>
 </file>
 
@@ -11787,44 +10381,6 @@
           </a:p>
         </p:txBody>
       </p:sp>
-      <p:pic>
-        <p:nvPicPr>
-          <p:cNvPr id="5" name="Audio 4">
-            <a:hlinkClick r:id="" action="ppaction://media"/>
-            <a:extLst>
-              <a:ext uri="{FF2B5EF4-FFF2-40B4-BE49-F238E27FC236}">
-                <a16:creationId xmlns:a16="http://schemas.microsoft.com/office/drawing/2014/main" id="{338B1826-8B44-44CD-8168-BA77E1882DD3}"/>
-              </a:ext>
-            </a:extLst>
-          </p:cNvPr>
-          <p:cNvPicPr>
-            <a:picLocks noChangeAspect="1"/>
-          </p:cNvPicPr>
-          <p:nvPr>
-            <a:audioFile r:link="rId2"/>
-            <p:extLst>
-              <p:ext uri="{DAA4B4D4-6D71-4841-9C94-3DE7FCFB9230}">
-                <p14:media xmlns:p14="http://schemas.microsoft.com/office/powerpoint/2010/main" r:embed="rId1"/>
-              </p:ext>
-            </p:extLst>
-          </p:nvPr>
-        </p:nvPicPr>
-        <p:blipFill>
-          <a:blip r:embed="rId5"/>
-          <a:stretch>
-            <a:fillRect/>
-          </a:stretch>
-        </p:blipFill>
-        <p:spPr>
-          <a:xfrm>
-            <a:off x="11552238" y="6218238"/>
-            <a:ext cx="487362" cy="487362"/>
-          </a:xfrm>
-          <a:prstGeom prst="rect">
-            <a:avLst/>
-          </a:prstGeom>
-        </p:spPr>
-      </p:pic>
     </p:spTree>
     <p:extLst>
       <p:ext uri="{BB962C8B-B14F-4D97-AF65-F5344CB8AC3E}">
@@ -11843,93 +10399,6 @@
       <p:transition spd="slow" advTm="14940"/>
     </mc:Fallback>
   </mc:AlternateContent>
-  <p:timing>
-    <p:tnLst>
-      <p:par>
-        <p:cTn id="1" dur="indefinite" restart="never" nodeType="tmRoot">
-          <p:childTnLst>
-            <p:seq concurrent="1" nextAc="seek">
-              <p:cTn id="2" dur="indefinite" nodeType="mainSeq">
-                <p:childTnLst>
-                  <p:par>
-                    <p:cTn id="3" fill="hold">
-                      <p:stCondLst>
-                        <p:cond delay="indefinite"/>
-                        <p:cond evt="onBegin" delay="0">
-                          <p:tn val="2"/>
-                        </p:cond>
-                      </p:stCondLst>
-                      <p:childTnLst>
-                        <p:par>
-                          <p:cTn id="4" fill="hold">
-                            <p:stCondLst>
-                              <p:cond delay="0"/>
-                            </p:stCondLst>
-                            <p:childTnLst>
-                              <p:par>
-                                <p:cTn id="5" presetID="1" presetClass="mediacall" presetSubtype="0" fill="hold" nodeType="afterEffect">
-                                  <p:stCondLst>
-                                    <p:cond delay="0"/>
-                                  </p:stCondLst>
-                                  <p:childTnLst>
-                                    <p:cmd type="call" cmd="playFrom(0.0)">
-                                      <p:cBhvr>
-                                        <p:cTn id="6" dur="1" fill="hold"/>
-                                        <p:tgtEl>
-                                          <p:spTgt spid="5"/>
-                                        </p:tgtEl>
-                                      </p:cBhvr>
-                                    </p:cmd>
-                                  </p:childTnLst>
-                                </p:cTn>
-                              </p:par>
-                            </p:childTnLst>
-                          </p:cTn>
-                        </p:par>
-                      </p:childTnLst>
-                    </p:cTn>
-                  </p:par>
-                </p:childTnLst>
-              </p:cTn>
-              <p:prevCondLst>
-                <p:cond evt="onPrev" delay="0">
-                  <p:tgtEl>
-                    <p:sldTgt/>
-                  </p:tgtEl>
-                </p:cond>
-              </p:prevCondLst>
-              <p:nextCondLst>
-                <p:cond evt="onNext" delay="0">
-                  <p:tgtEl>
-                    <p:sldTgt/>
-                  </p:tgtEl>
-                </p:cond>
-              </p:nextCondLst>
-            </p:seq>
-            <p:audio isNarration="1">
-              <p:cMediaNode vol="80000" showWhenStopped="0">
-                <p:cTn id="7" fill="hold" display="0">
-                  <p:stCondLst>
-                    <p:cond delay="indefinite"/>
-                  </p:stCondLst>
-                  <p:endCondLst>
-                    <p:cond evt="onStopAudio" delay="0">
-                      <p:tgtEl>
-                        <p:sldTgt/>
-                      </p:tgtEl>
-                    </p:cond>
-                  </p:endCondLst>
-                </p:cTn>
-                <p:tgtEl>
-                  <p:spTgt spid="5"/>
-                </p:tgtEl>
-              </p:cMediaNode>
-            </p:audio>
-          </p:childTnLst>
-        </p:cTn>
-      </p:par>
-    </p:tnLst>
-  </p:timing>
 </p:sld>
 </file>
 
@@ -12169,44 +10638,6 @@
           </a:p>
         </p:txBody>
       </p:sp>
-      <p:pic>
-        <p:nvPicPr>
-          <p:cNvPr id="5" name="Audio 4">
-            <a:hlinkClick r:id="" action="ppaction://media"/>
-            <a:extLst>
-              <a:ext uri="{FF2B5EF4-FFF2-40B4-BE49-F238E27FC236}">
-                <a16:creationId xmlns:a16="http://schemas.microsoft.com/office/drawing/2014/main" id="{338B1826-8B44-44CD-8168-BA77E1882DD3}"/>
-              </a:ext>
-            </a:extLst>
-          </p:cNvPr>
-          <p:cNvPicPr>
-            <a:picLocks noChangeAspect="1"/>
-          </p:cNvPicPr>
-          <p:nvPr>
-            <a:audioFile r:link="rId2"/>
-            <p:extLst>
-              <p:ext uri="{DAA4B4D4-6D71-4841-9C94-3DE7FCFB9230}">
-                <p14:media xmlns:p14="http://schemas.microsoft.com/office/powerpoint/2010/main" r:embed="rId1"/>
-              </p:ext>
-            </p:extLst>
-          </p:nvPr>
-        </p:nvPicPr>
-        <p:blipFill>
-          <a:blip r:embed="rId5"/>
-          <a:stretch>
-            <a:fillRect/>
-          </a:stretch>
-        </p:blipFill>
-        <p:spPr>
-          <a:xfrm>
-            <a:off x="11552238" y="6218238"/>
-            <a:ext cx="487362" cy="487362"/>
-          </a:xfrm>
-          <a:prstGeom prst="rect">
-            <a:avLst/>
-          </a:prstGeom>
-        </p:spPr>
-      </p:pic>
     </p:spTree>
     <p:extLst>
       <p:ext uri="{BB962C8B-B14F-4D97-AF65-F5344CB8AC3E}">
@@ -12225,93 +10656,6 @@
       <p:transition spd="slow" advTm="14940"/>
     </mc:Fallback>
   </mc:AlternateContent>
-  <p:timing>
-    <p:tnLst>
-      <p:par>
-        <p:cTn id="1" dur="indefinite" restart="never" nodeType="tmRoot">
-          <p:childTnLst>
-            <p:seq concurrent="1" nextAc="seek">
-              <p:cTn id="2" dur="indefinite" nodeType="mainSeq">
-                <p:childTnLst>
-                  <p:par>
-                    <p:cTn id="3" fill="hold">
-                      <p:stCondLst>
-                        <p:cond delay="indefinite"/>
-                        <p:cond evt="onBegin" delay="0">
-                          <p:tn val="2"/>
-                        </p:cond>
-                      </p:stCondLst>
-                      <p:childTnLst>
-                        <p:par>
-                          <p:cTn id="4" fill="hold">
-                            <p:stCondLst>
-                              <p:cond delay="0"/>
-                            </p:stCondLst>
-                            <p:childTnLst>
-                              <p:par>
-                                <p:cTn id="5" presetID="1" presetClass="mediacall" presetSubtype="0" fill="hold" nodeType="afterEffect">
-                                  <p:stCondLst>
-                                    <p:cond delay="0"/>
-                                  </p:stCondLst>
-                                  <p:childTnLst>
-                                    <p:cmd type="call" cmd="playFrom(0.0)">
-                                      <p:cBhvr>
-                                        <p:cTn id="6" dur="1" fill="hold"/>
-                                        <p:tgtEl>
-                                          <p:spTgt spid="5"/>
-                                        </p:tgtEl>
-                                      </p:cBhvr>
-                                    </p:cmd>
-                                  </p:childTnLst>
-                                </p:cTn>
-                              </p:par>
-                            </p:childTnLst>
-                          </p:cTn>
-                        </p:par>
-                      </p:childTnLst>
-                    </p:cTn>
-                  </p:par>
-                </p:childTnLst>
-              </p:cTn>
-              <p:prevCondLst>
-                <p:cond evt="onPrev" delay="0">
-                  <p:tgtEl>
-                    <p:sldTgt/>
-                  </p:tgtEl>
-                </p:cond>
-              </p:prevCondLst>
-              <p:nextCondLst>
-                <p:cond evt="onNext" delay="0">
-                  <p:tgtEl>
-                    <p:sldTgt/>
-                  </p:tgtEl>
-                </p:cond>
-              </p:nextCondLst>
-            </p:seq>
-            <p:audio isNarration="1">
-              <p:cMediaNode vol="80000" showWhenStopped="0">
-                <p:cTn id="7" fill="hold" display="0">
-                  <p:stCondLst>
-                    <p:cond delay="indefinite"/>
-                  </p:stCondLst>
-                  <p:endCondLst>
-                    <p:cond evt="onStopAudio" delay="0">
-                      <p:tgtEl>
-                        <p:sldTgt/>
-                      </p:tgtEl>
-                    </p:cond>
-                  </p:endCondLst>
-                </p:cTn>
-                <p:tgtEl>
-                  <p:spTgt spid="5"/>
-                </p:tgtEl>
-              </p:cMediaNode>
-            </p:audio>
-          </p:childTnLst>
-        </p:cTn>
-      </p:par>
-    </p:tnLst>
-  </p:timing>
 </p:sld>
 </file>
 
@@ -12392,44 +10736,6 @@
       </p:sp>
       <p:pic>
         <p:nvPicPr>
-          <p:cNvPr id="5" name="Audio 4">
-            <a:hlinkClick r:id="" action="ppaction://media"/>
-            <a:extLst>
-              <a:ext uri="{FF2B5EF4-FFF2-40B4-BE49-F238E27FC236}">
-                <a16:creationId xmlns:a16="http://schemas.microsoft.com/office/drawing/2014/main" id="{338B1826-8B44-44CD-8168-BA77E1882DD3}"/>
-              </a:ext>
-            </a:extLst>
-          </p:cNvPr>
-          <p:cNvPicPr>
-            <a:picLocks noChangeAspect="1"/>
-          </p:cNvPicPr>
-          <p:nvPr>
-            <a:audioFile r:link="rId2"/>
-            <p:extLst>
-              <p:ext uri="{DAA4B4D4-6D71-4841-9C94-3DE7FCFB9230}">
-                <p14:media xmlns:p14="http://schemas.microsoft.com/office/powerpoint/2010/main" r:embed="rId1"/>
-              </p:ext>
-            </p:extLst>
-          </p:nvPr>
-        </p:nvPicPr>
-        <p:blipFill>
-          <a:blip r:embed="rId5"/>
-          <a:stretch>
-            <a:fillRect/>
-          </a:stretch>
-        </p:blipFill>
-        <p:spPr>
-          <a:xfrm>
-            <a:off x="11552238" y="6218238"/>
-            <a:ext cx="487362" cy="487362"/>
-          </a:xfrm>
-          <a:prstGeom prst="rect">
-            <a:avLst/>
-          </a:prstGeom>
-        </p:spPr>
-      </p:pic>
-      <p:pic>
-        <p:nvPicPr>
           <p:cNvPr id="8" name="Picture 7">
             <a:extLst>
               <a:ext uri="{FF2B5EF4-FFF2-40B4-BE49-F238E27FC236}">
@@ -12443,7 +10749,7 @@
           <p:nvPr/>
         </p:nvPicPr>
         <p:blipFill>
-          <a:blip r:embed="rId6"/>
+          <a:blip r:embed="rId3"/>
           <a:stretch>
             <a:fillRect/>
           </a:stretch>
@@ -12476,93 +10782,6 @@
       <p:transition spd="slow" advTm="14940"/>
     </mc:Fallback>
   </mc:AlternateContent>
-  <p:timing>
-    <p:tnLst>
-      <p:par>
-        <p:cTn id="1" dur="indefinite" restart="never" nodeType="tmRoot">
-          <p:childTnLst>
-            <p:seq concurrent="1" nextAc="seek">
-              <p:cTn id="2" dur="indefinite" nodeType="mainSeq">
-                <p:childTnLst>
-                  <p:par>
-                    <p:cTn id="3" fill="hold">
-                      <p:stCondLst>
-                        <p:cond delay="indefinite"/>
-                        <p:cond evt="onBegin" delay="0">
-                          <p:tn val="2"/>
-                        </p:cond>
-                      </p:stCondLst>
-                      <p:childTnLst>
-                        <p:par>
-                          <p:cTn id="4" fill="hold">
-                            <p:stCondLst>
-                              <p:cond delay="0"/>
-                            </p:stCondLst>
-                            <p:childTnLst>
-                              <p:par>
-                                <p:cTn id="5" presetID="1" presetClass="mediacall" presetSubtype="0" fill="hold" nodeType="afterEffect">
-                                  <p:stCondLst>
-                                    <p:cond delay="0"/>
-                                  </p:stCondLst>
-                                  <p:childTnLst>
-                                    <p:cmd type="call" cmd="playFrom(0.0)">
-                                      <p:cBhvr>
-                                        <p:cTn id="6" dur="1" fill="hold"/>
-                                        <p:tgtEl>
-                                          <p:spTgt spid="5"/>
-                                        </p:tgtEl>
-                                      </p:cBhvr>
-                                    </p:cmd>
-                                  </p:childTnLst>
-                                </p:cTn>
-                              </p:par>
-                            </p:childTnLst>
-                          </p:cTn>
-                        </p:par>
-                      </p:childTnLst>
-                    </p:cTn>
-                  </p:par>
-                </p:childTnLst>
-              </p:cTn>
-              <p:prevCondLst>
-                <p:cond evt="onPrev" delay="0">
-                  <p:tgtEl>
-                    <p:sldTgt/>
-                  </p:tgtEl>
-                </p:cond>
-              </p:prevCondLst>
-              <p:nextCondLst>
-                <p:cond evt="onNext" delay="0">
-                  <p:tgtEl>
-                    <p:sldTgt/>
-                  </p:tgtEl>
-                </p:cond>
-              </p:nextCondLst>
-            </p:seq>
-            <p:audio isNarration="1">
-              <p:cMediaNode vol="80000" showWhenStopped="0">
-                <p:cTn id="7" fill="hold" display="0">
-                  <p:stCondLst>
-                    <p:cond delay="indefinite"/>
-                  </p:stCondLst>
-                  <p:endCondLst>
-                    <p:cond evt="onStopAudio" delay="0">
-                      <p:tgtEl>
-                        <p:sldTgt/>
-                      </p:tgtEl>
-                    </p:cond>
-                  </p:endCondLst>
-                </p:cTn>
-                <p:tgtEl>
-                  <p:spTgt spid="5"/>
-                </p:tgtEl>
-              </p:cMediaNode>
-            </p:audio>
-          </p:childTnLst>
-        </p:cTn>
-      </p:par>
-    </p:tnLst>
-  </p:timing>
 </p:sld>
 </file>
 
@@ -12664,7 +10883,7 @@
                 <a:effectLst/>
                 <a:latin typeface="Times New Roman" panose="02020603050405020304" pitchFamily="18" charset="0"/>
                 <a:cs typeface="Times New Roman" panose="02020603050405020304" pitchFamily="18" charset="0"/>
-                <a:hlinkClick r:id="rId5">
+                <a:hlinkClick r:id="rId3">
                   <a:extLst>
                     <a:ext uri="{A12FA001-AC4F-418D-AE19-62706E023703}">
                       <ahyp:hlinkClr xmlns:ahyp="http://schemas.microsoft.com/office/drawing/2018/hyperlinkcolor" val="tx"/>
@@ -12695,44 +10914,6 @@
           </a:p>
         </p:txBody>
       </p:sp>
-      <p:pic>
-        <p:nvPicPr>
-          <p:cNvPr id="5" name="Audio 4">
-            <a:hlinkClick r:id="" action="ppaction://media"/>
-            <a:extLst>
-              <a:ext uri="{FF2B5EF4-FFF2-40B4-BE49-F238E27FC236}">
-                <a16:creationId xmlns:a16="http://schemas.microsoft.com/office/drawing/2014/main" id="{338B1826-8B44-44CD-8168-BA77E1882DD3}"/>
-              </a:ext>
-            </a:extLst>
-          </p:cNvPr>
-          <p:cNvPicPr>
-            <a:picLocks noChangeAspect="1"/>
-          </p:cNvPicPr>
-          <p:nvPr>
-            <a:audioFile r:link="rId2"/>
-            <p:extLst>
-              <p:ext uri="{DAA4B4D4-6D71-4841-9C94-3DE7FCFB9230}">
-                <p14:media xmlns:p14="http://schemas.microsoft.com/office/powerpoint/2010/main" r:embed="rId1"/>
-              </p:ext>
-            </p:extLst>
-          </p:nvPr>
-        </p:nvPicPr>
-        <p:blipFill>
-          <a:blip r:embed="rId6"/>
-          <a:stretch>
-            <a:fillRect/>
-          </a:stretch>
-        </p:blipFill>
-        <p:spPr>
-          <a:xfrm>
-            <a:off x="11552238" y="6218238"/>
-            <a:ext cx="487362" cy="487362"/>
-          </a:xfrm>
-          <a:prstGeom prst="rect">
-            <a:avLst/>
-          </a:prstGeom>
-        </p:spPr>
-      </p:pic>
     </p:spTree>
     <p:extLst>
       <p:ext uri="{BB962C8B-B14F-4D97-AF65-F5344CB8AC3E}">
@@ -12751,93 +10932,6 @@
       <p:transition spd="slow" advTm="14940"/>
     </mc:Fallback>
   </mc:AlternateContent>
-  <p:timing>
-    <p:tnLst>
-      <p:par>
-        <p:cTn id="1" dur="indefinite" restart="never" nodeType="tmRoot">
-          <p:childTnLst>
-            <p:seq concurrent="1" nextAc="seek">
-              <p:cTn id="2" dur="indefinite" nodeType="mainSeq">
-                <p:childTnLst>
-                  <p:par>
-                    <p:cTn id="3" fill="hold">
-                      <p:stCondLst>
-                        <p:cond delay="indefinite"/>
-                        <p:cond evt="onBegin" delay="0">
-                          <p:tn val="2"/>
-                        </p:cond>
-                      </p:stCondLst>
-                      <p:childTnLst>
-                        <p:par>
-                          <p:cTn id="4" fill="hold">
-                            <p:stCondLst>
-                              <p:cond delay="0"/>
-                            </p:stCondLst>
-                            <p:childTnLst>
-                              <p:par>
-                                <p:cTn id="5" presetID="1" presetClass="mediacall" presetSubtype="0" fill="hold" nodeType="afterEffect">
-                                  <p:stCondLst>
-                                    <p:cond delay="0"/>
-                                  </p:stCondLst>
-                                  <p:childTnLst>
-                                    <p:cmd type="call" cmd="playFrom(0.0)">
-                                      <p:cBhvr>
-                                        <p:cTn id="6" dur="1" fill="hold"/>
-                                        <p:tgtEl>
-                                          <p:spTgt spid="5"/>
-                                        </p:tgtEl>
-                                      </p:cBhvr>
-                                    </p:cmd>
-                                  </p:childTnLst>
-                                </p:cTn>
-                              </p:par>
-                            </p:childTnLst>
-                          </p:cTn>
-                        </p:par>
-                      </p:childTnLst>
-                    </p:cTn>
-                  </p:par>
-                </p:childTnLst>
-              </p:cTn>
-              <p:prevCondLst>
-                <p:cond evt="onPrev" delay="0">
-                  <p:tgtEl>
-                    <p:sldTgt/>
-                  </p:tgtEl>
-                </p:cond>
-              </p:prevCondLst>
-              <p:nextCondLst>
-                <p:cond evt="onNext" delay="0">
-                  <p:tgtEl>
-                    <p:sldTgt/>
-                  </p:tgtEl>
-                </p:cond>
-              </p:nextCondLst>
-            </p:seq>
-            <p:audio isNarration="1">
-              <p:cMediaNode vol="80000" showWhenStopped="0">
-                <p:cTn id="7" fill="hold" display="0">
-                  <p:stCondLst>
-                    <p:cond delay="indefinite"/>
-                  </p:stCondLst>
-                  <p:endCondLst>
-                    <p:cond evt="onStopAudio" delay="0">
-                      <p:tgtEl>
-                        <p:sldTgt/>
-                      </p:tgtEl>
-                    </p:cond>
-                  </p:endCondLst>
-                </p:cTn>
-                <p:tgtEl>
-                  <p:spTgt spid="5"/>
-                </p:tgtEl>
-              </p:cMediaNode>
-            </p:audio>
-          </p:childTnLst>
-        </p:cTn>
-      </p:par>
-    </p:tnLst>
-  </p:timing>
 </p:sld>
 </file>
 
@@ -12918,44 +11012,6 @@
       </p:sp>
       <p:pic>
         <p:nvPicPr>
-          <p:cNvPr id="5" name="Audio 4">
-            <a:hlinkClick r:id="" action="ppaction://media"/>
-            <a:extLst>
-              <a:ext uri="{FF2B5EF4-FFF2-40B4-BE49-F238E27FC236}">
-                <a16:creationId xmlns:a16="http://schemas.microsoft.com/office/drawing/2014/main" id="{338B1826-8B44-44CD-8168-BA77E1882DD3}"/>
-              </a:ext>
-            </a:extLst>
-          </p:cNvPr>
-          <p:cNvPicPr>
-            <a:picLocks noChangeAspect="1"/>
-          </p:cNvPicPr>
-          <p:nvPr>
-            <a:audioFile r:link="rId2"/>
-            <p:extLst>
-              <p:ext uri="{DAA4B4D4-6D71-4841-9C94-3DE7FCFB9230}">
-                <p14:media xmlns:p14="http://schemas.microsoft.com/office/powerpoint/2010/main" r:embed="rId1"/>
-              </p:ext>
-            </p:extLst>
-          </p:nvPr>
-        </p:nvPicPr>
-        <p:blipFill>
-          <a:blip r:embed="rId5"/>
-          <a:stretch>
-            <a:fillRect/>
-          </a:stretch>
-        </p:blipFill>
-        <p:spPr>
-          <a:xfrm>
-            <a:off x="11552238" y="6218238"/>
-            <a:ext cx="487362" cy="487362"/>
-          </a:xfrm>
-          <a:prstGeom prst="rect">
-            <a:avLst/>
-          </a:prstGeom>
-        </p:spPr>
-      </p:pic>
-      <p:pic>
-        <p:nvPicPr>
           <p:cNvPr id="7" name="Picture 6">
             <a:extLst>
               <a:ext uri="{FF2B5EF4-FFF2-40B4-BE49-F238E27FC236}">
@@ -12969,7 +11025,7 @@
           <p:nvPr/>
         </p:nvPicPr>
         <p:blipFill>
-          <a:blip r:embed="rId6"/>
+          <a:blip r:embed="rId3"/>
           <a:stretch>
             <a:fillRect/>
           </a:stretch>
@@ -13002,93 +11058,6 @@
       <p:transition spd="slow" advTm="14940"/>
     </mc:Fallback>
   </mc:AlternateContent>
-  <p:timing>
-    <p:tnLst>
-      <p:par>
-        <p:cTn id="1" dur="indefinite" restart="never" nodeType="tmRoot">
-          <p:childTnLst>
-            <p:seq concurrent="1" nextAc="seek">
-              <p:cTn id="2" dur="indefinite" nodeType="mainSeq">
-                <p:childTnLst>
-                  <p:par>
-                    <p:cTn id="3" fill="hold">
-                      <p:stCondLst>
-                        <p:cond delay="indefinite"/>
-                        <p:cond evt="onBegin" delay="0">
-                          <p:tn val="2"/>
-                        </p:cond>
-                      </p:stCondLst>
-                      <p:childTnLst>
-                        <p:par>
-                          <p:cTn id="4" fill="hold">
-                            <p:stCondLst>
-                              <p:cond delay="0"/>
-                            </p:stCondLst>
-                            <p:childTnLst>
-                              <p:par>
-                                <p:cTn id="5" presetID="1" presetClass="mediacall" presetSubtype="0" fill="hold" nodeType="afterEffect">
-                                  <p:stCondLst>
-                                    <p:cond delay="0"/>
-                                  </p:stCondLst>
-                                  <p:childTnLst>
-                                    <p:cmd type="call" cmd="playFrom(0.0)">
-                                      <p:cBhvr>
-                                        <p:cTn id="6" dur="1" fill="hold"/>
-                                        <p:tgtEl>
-                                          <p:spTgt spid="5"/>
-                                        </p:tgtEl>
-                                      </p:cBhvr>
-                                    </p:cmd>
-                                  </p:childTnLst>
-                                </p:cTn>
-                              </p:par>
-                            </p:childTnLst>
-                          </p:cTn>
-                        </p:par>
-                      </p:childTnLst>
-                    </p:cTn>
-                  </p:par>
-                </p:childTnLst>
-              </p:cTn>
-              <p:prevCondLst>
-                <p:cond evt="onPrev" delay="0">
-                  <p:tgtEl>
-                    <p:sldTgt/>
-                  </p:tgtEl>
-                </p:cond>
-              </p:prevCondLst>
-              <p:nextCondLst>
-                <p:cond evt="onNext" delay="0">
-                  <p:tgtEl>
-                    <p:sldTgt/>
-                  </p:tgtEl>
-                </p:cond>
-              </p:nextCondLst>
-            </p:seq>
-            <p:audio isNarration="1">
-              <p:cMediaNode vol="80000" showWhenStopped="0">
-                <p:cTn id="7" fill="hold" display="0">
-                  <p:stCondLst>
-                    <p:cond delay="indefinite"/>
-                  </p:stCondLst>
-                  <p:endCondLst>
-                    <p:cond evt="onStopAudio" delay="0">
-                      <p:tgtEl>
-                        <p:sldTgt/>
-                      </p:tgtEl>
-                    </p:cond>
-                  </p:endCondLst>
-                </p:cTn>
-                <p:tgtEl>
-                  <p:spTgt spid="5"/>
-                </p:tgtEl>
-              </p:cMediaNode>
-            </p:audio>
-          </p:childTnLst>
-        </p:cTn>
-      </p:par>
-    </p:tnLst>
-  </p:timing>
 </p:sld>
 </file>
 
@@ -13244,44 +11213,6 @@
       </p:sp>
       <p:pic>
         <p:nvPicPr>
-          <p:cNvPr id="5" name="Audio 4">
-            <a:hlinkClick r:id="" action="ppaction://media"/>
-            <a:extLst>
-              <a:ext uri="{FF2B5EF4-FFF2-40B4-BE49-F238E27FC236}">
-                <a16:creationId xmlns:a16="http://schemas.microsoft.com/office/drawing/2014/main" id="{338B1826-8B44-44CD-8168-BA77E1882DD3}"/>
-              </a:ext>
-            </a:extLst>
-          </p:cNvPr>
-          <p:cNvPicPr>
-            <a:picLocks noChangeAspect="1"/>
-          </p:cNvPicPr>
-          <p:nvPr>
-            <a:audioFile r:link="rId2"/>
-            <p:extLst>
-              <p:ext uri="{DAA4B4D4-6D71-4841-9C94-3DE7FCFB9230}">
-                <p14:media xmlns:p14="http://schemas.microsoft.com/office/powerpoint/2010/main" r:embed="rId1"/>
-              </p:ext>
-            </p:extLst>
-          </p:nvPr>
-        </p:nvPicPr>
-        <p:blipFill>
-          <a:blip r:embed="rId5"/>
-          <a:stretch>
-            <a:fillRect/>
-          </a:stretch>
-        </p:blipFill>
-        <p:spPr>
-          <a:xfrm>
-            <a:off x="11552238" y="6218238"/>
-            <a:ext cx="487362" cy="487362"/>
-          </a:xfrm>
-          <a:prstGeom prst="rect">
-            <a:avLst/>
-          </a:prstGeom>
-        </p:spPr>
-      </p:pic>
-      <p:pic>
-        <p:nvPicPr>
           <p:cNvPr id="8" name="Picture 7">
             <a:extLst>
               <a:ext uri="{FF2B5EF4-FFF2-40B4-BE49-F238E27FC236}">
@@ -13295,7 +11226,7 @@
           <p:nvPr/>
         </p:nvPicPr>
         <p:blipFill>
-          <a:blip r:embed="rId6"/>
+          <a:blip r:embed="rId3"/>
           <a:stretch>
             <a:fillRect/>
           </a:stretch>
@@ -13328,93 +11259,6 @@
       <p:transition spd="slow" advTm="14940"/>
     </mc:Fallback>
   </mc:AlternateContent>
-  <p:timing>
-    <p:tnLst>
-      <p:par>
-        <p:cTn id="1" dur="indefinite" restart="never" nodeType="tmRoot">
-          <p:childTnLst>
-            <p:seq concurrent="1" nextAc="seek">
-              <p:cTn id="2" dur="indefinite" nodeType="mainSeq">
-                <p:childTnLst>
-                  <p:par>
-                    <p:cTn id="3" fill="hold">
-                      <p:stCondLst>
-                        <p:cond delay="indefinite"/>
-                        <p:cond evt="onBegin" delay="0">
-                          <p:tn val="2"/>
-                        </p:cond>
-                      </p:stCondLst>
-                      <p:childTnLst>
-                        <p:par>
-                          <p:cTn id="4" fill="hold">
-                            <p:stCondLst>
-                              <p:cond delay="0"/>
-                            </p:stCondLst>
-                            <p:childTnLst>
-                              <p:par>
-                                <p:cTn id="5" presetID="1" presetClass="mediacall" presetSubtype="0" fill="hold" nodeType="afterEffect">
-                                  <p:stCondLst>
-                                    <p:cond delay="0"/>
-                                  </p:stCondLst>
-                                  <p:childTnLst>
-                                    <p:cmd type="call" cmd="playFrom(0.0)">
-                                      <p:cBhvr>
-                                        <p:cTn id="6" dur="1" fill="hold"/>
-                                        <p:tgtEl>
-                                          <p:spTgt spid="5"/>
-                                        </p:tgtEl>
-                                      </p:cBhvr>
-                                    </p:cmd>
-                                  </p:childTnLst>
-                                </p:cTn>
-                              </p:par>
-                            </p:childTnLst>
-                          </p:cTn>
-                        </p:par>
-                      </p:childTnLst>
-                    </p:cTn>
-                  </p:par>
-                </p:childTnLst>
-              </p:cTn>
-              <p:prevCondLst>
-                <p:cond evt="onPrev" delay="0">
-                  <p:tgtEl>
-                    <p:sldTgt/>
-                  </p:tgtEl>
-                </p:cond>
-              </p:prevCondLst>
-              <p:nextCondLst>
-                <p:cond evt="onNext" delay="0">
-                  <p:tgtEl>
-                    <p:sldTgt/>
-                  </p:tgtEl>
-                </p:cond>
-              </p:nextCondLst>
-            </p:seq>
-            <p:audio isNarration="1">
-              <p:cMediaNode vol="80000" showWhenStopped="0">
-                <p:cTn id="7" fill="hold" display="0">
-                  <p:stCondLst>
-                    <p:cond delay="indefinite"/>
-                  </p:stCondLst>
-                  <p:endCondLst>
-                    <p:cond evt="onStopAudio" delay="0">
-                      <p:tgtEl>
-                        <p:sldTgt/>
-                      </p:tgtEl>
-                    </p:cond>
-                  </p:endCondLst>
-                </p:cTn>
-                <p:tgtEl>
-                  <p:spTgt spid="5"/>
-                </p:tgtEl>
-              </p:cMediaNode>
-            </p:audio>
-          </p:childTnLst>
-        </p:cTn>
-      </p:par>
-    </p:tnLst>
-  </p:timing>
 </p:sld>
 </file>
 
@@ -13538,44 +11382,6 @@
       </p:sp>
       <p:pic>
         <p:nvPicPr>
-          <p:cNvPr id="5" name="Audio 4">
-            <a:hlinkClick r:id="" action="ppaction://media"/>
-            <a:extLst>
-              <a:ext uri="{FF2B5EF4-FFF2-40B4-BE49-F238E27FC236}">
-                <a16:creationId xmlns:a16="http://schemas.microsoft.com/office/drawing/2014/main" id="{338B1826-8B44-44CD-8168-BA77E1882DD3}"/>
-              </a:ext>
-            </a:extLst>
-          </p:cNvPr>
-          <p:cNvPicPr>
-            <a:picLocks noChangeAspect="1"/>
-          </p:cNvPicPr>
-          <p:nvPr>
-            <a:audioFile r:link="rId2"/>
-            <p:extLst>
-              <p:ext uri="{DAA4B4D4-6D71-4841-9C94-3DE7FCFB9230}">
-                <p14:media xmlns:p14="http://schemas.microsoft.com/office/powerpoint/2010/main" r:embed="rId1"/>
-              </p:ext>
-            </p:extLst>
-          </p:nvPr>
-        </p:nvPicPr>
-        <p:blipFill>
-          <a:blip r:embed="rId5"/>
-          <a:stretch>
-            <a:fillRect/>
-          </a:stretch>
-        </p:blipFill>
-        <p:spPr>
-          <a:xfrm>
-            <a:off x="11552238" y="6218238"/>
-            <a:ext cx="487362" cy="487362"/>
-          </a:xfrm>
-          <a:prstGeom prst="rect">
-            <a:avLst/>
-          </a:prstGeom>
-        </p:spPr>
-      </p:pic>
-      <p:pic>
-        <p:nvPicPr>
           <p:cNvPr id="4" name="Picture 3">
             <a:extLst>
               <a:ext uri="{FF2B5EF4-FFF2-40B4-BE49-F238E27FC236}">
@@ -13589,7 +11395,7 @@
           <p:nvPr/>
         </p:nvPicPr>
         <p:blipFill>
-          <a:blip r:embed="rId6"/>
+          <a:blip r:embed="rId3"/>
           <a:stretch>
             <a:fillRect/>
           </a:stretch>
@@ -13597,7 +11403,7 @@
         <p:spPr>
           <a:xfrm>
             <a:off x="1555668" y="1085729"/>
-            <a:ext cx="7089568" cy="4686541"/>
+            <a:ext cx="6426282" cy="4686541"/>
           </a:xfrm>
           <a:prstGeom prst="rect">
             <a:avLst/>
@@ -13622,93 +11428,6 @@
       <p:transition spd="slow" advTm="14940"/>
     </mc:Fallback>
   </mc:AlternateContent>
-  <p:timing>
-    <p:tnLst>
-      <p:par>
-        <p:cTn id="1" dur="indefinite" restart="never" nodeType="tmRoot">
-          <p:childTnLst>
-            <p:seq concurrent="1" nextAc="seek">
-              <p:cTn id="2" dur="indefinite" nodeType="mainSeq">
-                <p:childTnLst>
-                  <p:par>
-                    <p:cTn id="3" fill="hold">
-                      <p:stCondLst>
-                        <p:cond delay="indefinite"/>
-                        <p:cond evt="onBegin" delay="0">
-                          <p:tn val="2"/>
-                        </p:cond>
-                      </p:stCondLst>
-                      <p:childTnLst>
-                        <p:par>
-                          <p:cTn id="4" fill="hold">
-                            <p:stCondLst>
-                              <p:cond delay="0"/>
-                            </p:stCondLst>
-                            <p:childTnLst>
-                              <p:par>
-                                <p:cTn id="5" presetID="1" presetClass="mediacall" presetSubtype="0" fill="hold" nodeType="afterEffect">
-                                  <p:stCondLst>
-                                    <p:cond delay="0"/>
-                                  </p:stCondLst>
-                                  <p:childTnLst>
-                                    <p:cmd type="call" cmd="playFrom(0.0)">
-                                      <p:cBhvr>
-                                        <p:cTn id="6" dur="1" fill="hold"/>
-                                        <p:tgtEl>
-                                          <p:spTgt spid="5"/>
-                                        </p:tgtEl>
-                                      </p:cBhvr>
-                                    </p:cmd>
-                                  </p:childTnLst>
-                                </p:cTn>
-                              </p:par>
-                            </p:childTnLst>
-                          </p:cTn>
-                        </p:par>
-                      </p:childTnLst>
-                    </p:cTn>
-                  </p:par>
-                </p:childTnLst>
-              </p:cTn>
-              <p:prevCondLst>
-                <p:cond evt="onPrev" delay="0">
-                  <p:tgtEl>
-                    <p:sldTgt/>
-                  </p:tgtEl>
-                </p:cond>
-              </p:prevCondLst>
-              <p:nextCondLst>
-                <p:cond evt="onNext" delay="0">
-                  <p:tgtEl>
-                    <p:sldTgt/>
-                  </p:tgtEl>
-                </p:cond>
-              </p:nextCondLst>
-            </p:seq>
-            <p:audio isNarration="1">
-              <p:cMediaNode vol="80000" showWhenStopped="0">
-                <p:cTn id="7" fill="hold" display="0">
-                  <p:stCondLst>
-                    <p:cond delay="indefinite"/>
-                  </p:stCondLst>
-                  <p:endCondLst>
-                    <p:cond evt="onStopAudio" delay="0">
-                      <p:tgtEl>
-                        <p:sldTgt/>
-                      </p:tgtEl>
-                    </p:cond>
-                  </p:endCondLst>
-                </p:cTn>
-                <p:tgtEl>
-                  <p:spTgt spid="5"/>
-                </p:tgtEl>
-              </p:cMediaNode>
-            </p:audio>
-          </p:childTnLst>
-        </p:cTn>
-      </p:par>
-    </p:tnLst>
-  </p:timing>
 </p:sld>
 </file>
 
@@ -14265,15 +11984,6 @@
 </file>
 
 <file path=customXml/item1.xml><?xml version="1.0" encoding="utf-8"?>
-<?mso-contentType ?>
-<FormTemplates xmlns="http://schemas.microsoft.com/sharepoint/v3/contenttype/forms">
-  <Display>DocumentLibraryForm</Display>
-  <Edit>DocumentLibraryForm</Edit>
-  <New>DocumentLibraryForm</New>
-</FormTemplates>
-</file>
-
-<file path=customXml/item2.xml><?xml version="1.0" encoding="utf-8"?>
 <ct:contentTypeSchema xmlns:ct="http://schemas.microsoft.com/office/2006/metadata/contentType" xmlns:ma="http://schemas.microsoft.com/office/2006/metadata/properties/metaAttributes" ct:_="" ma:_="" ma:contentTypeName="Document" ma:contentTypeID="0x01010078A2A07D1CD83B4690071353FDC0B893" ma:contentTypeVersion="16" ma:contentTypeDescription="Create a new document." ma:contentTypeScope="" ma:versionID="0e6f67a26b13366d6254e5e54fb878f1">
   <xsd:schema xmlns:xsd="http://www.w3.org/2001/XMLSchema" xmlns:xs="http://www.w3.org/2001/XMLSchema" xmlns:p="http://schemas.microsoft.com/office/2006/metadata/properties" xmlns:ns2="e8c9addc-188d-4db0-9f3e-ecac283308f2" xmlns:ns3="908902a0-8c4b-451d-ba20-f5abf25e0905" targetNamespace="http://schemas.microsoft.com/office/2006/metadata/properties" ma:root="true" ma:fieldsID="c3e72444b45be638795b06bf5cc03cac" ns2:_="" ns3:_="">
     <xsd:import namespace="e8c9addc-188d-4db0-9f3e-ecac283308f2"/>
@@ -14516,6 +12226,15 @@
 </ct:contentTypeSchema>
 </file>
 
+<file path=customXml/item2.xml><?xml version="1.0" encoding="utf-8"?>
+<?mso-contentType ?>
+<FormTemplates xmlns="http://schemas.microsoft.com/sharepoint/v3/contenttype/forms">
+  <Display>DocumentLibraryForm</Display>
+  <Edit>DocumentLibraryForm</Edit>
+  <New>DocumentLibraryForm</New>
+</FormTemplates>
+</file>
+
 <file path=customXml/item3.xml><?xml version="1.0" encoding="utf-8"?>
 <p:properties xmlns:p="http://schemas.microsoft.com/office/2006/metadata/properties" xmlns:xsi="http://www.w3.org/2001/XMLSchema-instance" xmlns:pc="http://schemas.microsoft.com/office/infopath/2007/PartnerControls">
   <documentManagement>
@@ -14528,14 +12247,6 @@
 </file>
 
 <file path=customXml/itemProps1.xml><?xml version="1.0" encoding="utf-8"?>
-<ds:datastoreItem xmlns:ds="http://schemas.openxmlformats.org/officeDocument/2006/customXml" ds:itemID="{AD83EFAC-BF19-4DC1-BEA8-5B64B7036E48}">
-  <ds:schemaRefs>
-    <ds:schemaRef ds:uri="http://schemas.microsoft.com/sharepoint/v3/contenttype/forms"/>
-  </ds:schemaRefs>
-</ds:datastoreItem>
-</file>
-
-<file path=customXml/itemProps2.xml><?xml version="1.0" encoding="utf-8"?>
 <ds:datastoreItem xmlns:ds="http://schemas.openxmlformats.org/officeDocument/2006/customXml" ds:itemID="{523B1DA7-CA7A-4BF6-988C-FCF4C20684B5}">
   <ds:schemaRefs>
     <ds:schemaRef ds:uri="http://schemas.microsoft.com/office/2006/metadata/contentType"/>
@@ -14554,6 +12265,14 @@
 </ds:datastoreItem>
 </file>
 
+<file path=customXml/itemProps2.xml><?xml version="1.0" encoding="utf-8"?>
+<ds:datastoreItem xmlns:ds="http://schemas.openxmlformats.org/officeDocument/2006/customXml" ds:itemID="{AD83EFAC-BF19-4DC1-BEA8-5B64B7036E48}">
+  <ds:schemaRefs>
+    <ds:schemaRef ds:uri="http://schemas.microsoft.com/sharepoint/v3/contenttype/forms"/>
+  </ds:schemaRefs>
+</ds:datastoreItem>
+</file>
+
 <file path=customXml/itemProps3.xml><?xml version="1.0" encoding="utf-8"?>
 <ds:datastoreItem xmlns:ds="http://schemas.openxmlformats.org/officeDocument/2006/customXml" ds:itemID="{C5A15D07-C87C-41B9-98B3-3362A5B360AC}">
   <ds:schemaRefs>
